--- a/Документация/Utilitatem Metris.pptx
+++ b/Документация/Utilitatem Metris.pptx
@@ -5,7 +5,7 @@
     <p:sldMasterId id="2147483648" r:id="rId1"/>
   </p:sldMasterIdLst>
   <p:notesMasterIdLst>
-    <p:notesMasterId r:id="rId16"/>
+    <p:notesMasterId r:id="rId15"/>
   </p:notesMasterIdLst>
   <p:sldIdLst>
     <p:sldId id="256" r:id="rId2"/>
@@ -14,14 +14,13 @@
     <p:sldId id="258" r:id="rId5"/>
     <p:sldId id="260" r:id="rId6"/>
     <p:sldId id="261" r:id="rId7"/>
-    <p:sldId id="262" r:id="rId8"/>
-    <p:sldId id="264" r:id="rId9"/>
-    <p:sldId id="265" r:id="rId10"/>
-    <p:sldId id="268" r:id="rId11"/>
-    <p:sldId id="266" r:id="rId12"/>
-    <p:sldId id="269" r:id="rId13"/>
-    <p:sldId id="267" r:id="rId14"/>
-    <p:sldId id="270" r:id="rId15"/>
+    <p:sldId id="268" r:id="rId8"/>
+    <p:sldId id="266" r:id="rId9"/>
+    <p:sldId id="262" r:id="rId10"/>
+    <p:sldId id="264" r:id="rId11"/>
+    <p:sldId id="265" r:id="rId12"/>
+    <p:sldId id="267" r:id="rId13"/>
+    <p:sldId id="270" r:id="rId14"/>
   </p:sldIdLst>
   <p:sldSz cx="12192000" cy="6858000"/>
   <p:notesSz cx="6858000" cy="9144000"/>
@@ -210,7 +209,7 @@
           <a:p>
             <a:fld id="{7E76BC05-0E78-47F7-98A9-E24DF6685D1B}" type="datetimeFigureOut">
               <a:rPr lang="ru-RU" smtClean="0"/>
-              <a:t>19.06.2021</a:t>
+              <a:t>23.06.2021</a:t>
             </a:fld>
             <a:endParaRPr lang="ru-RU"/>
           </a:p>
@@ -542,7 +541,7 @@
           <a:p>
             <a:fld id="{1E9D4444-EA8D-485F-BC46-17B5B05B6082}" type="slidenum">
               <a:rPr lang="ru-RU" smtClean="0"/>
-              <a:t>7</a:t>
+              <a:t>9</a:t>
             </a:fld>
             <a:endParaRPr lang="ru-RU"/>
           </a:p>
@@ -708,7 +707,7 @@
           <a:p>
             <a:fld id="{594DB1F8-5D1E-4475-AB07-4775FC63EC77}" type="datetime1">
               <a:rPr lang="ru-RU" smtClean="0"/>
-              <a:t>19.06.2021</a:t>
+              <a:t>23.06.2021</a:t>
             </a:fld>
             <a:endParaRPr lang="ru-RU"/>
           </a:p>
@@ -906,7 +905,7 @@
           <a:p>
             <a:fld id="{7EDB09B0-50DC-43BB-8F10-F18B520D600E}" type="datetime1">
               <a:rPr lang="ru-RU" smtClean="0"/>
-              <a:t>19.06.2021</a:t>
+              <a:t>23.06.2021</a:t>
             </a:fld>
             <a:endParaRPr lang="ru-RU"/>
           </a:p>
@@ -1114,7 +1113,7 @@
           <a:p>
             <a:fld id="{3A0E4896-15B2-425E-B208-A014012B3DB3}" type="datetime1">
               <a:rPr lang="ru-RU" smtClean="0"/>
-              <a:t>19.06.2021</a:t>
+              <a:t>23.06.2021</a:t>
             </a:fld>
             <a:endParaRPr lang="ru-RU"/>
           </a:p>
@@ -1312,7 +1311,7 @@
           <a:p>
             <a:fld id="{B3996E64-F8D3-4C82-A082-EC4CBE10AB1C}" type="datetime1">
               <a:rPr lang="ru-RU" smtClean="0"/>
-              <a:t>19.06.2021</a:t>
+              <a:t>23.06.2021</a:t>
             </a:fld>
             <a:endParaRPr lang="ru-RU"/>
           </a:p>
@@ -1587,7 +1586,7 @@
           <a:p>
             <a:fld id="{7EEBCF80-C3A5-4EAD-BDD8-370FFD6777DF}" type="datetime1">
               <a:rPr lang="ru-RU" smtClean="0"/>
-              <a:t>19.06.2021</a:t>
+              <a:t>23.06.2021</a:t>
             </a:fld>
             <a:endParaRPr lang="ru-RU"/>
           </a:p>
@@ -1852,7 +1851,7 @@
           <a:p>
             <a:fld id="{7BF4B1AE-89F0-4283-B28A-E9A566FC3717}" type="datetime1">
               <a:rPr lang="ru-RU" smtClean="0"/>
-              <a:t>19.06.2021</a:t>
+              <a:t>23.06.2021</a:t>
             </a:fld>
             <a:endParaRPr lang="ru-RU"/>
           </a:p>
@@ -2264,7 +2263,7 @@
           <a:p>
             <a:fld id="{27C9471E-F342-48F8-BAF9-2E835F7AE3D7}" type="datetime1">
               <a:rPr lang="ru-RU" smtClean="0"/>
-              <a:t>19.06.2021</a:t>
+              <a:t>23.06.2021</a:t>
             </a:fld>
             <a:endParaRPr lang="ru-RU"/>
           </a:p>
@@ -2405,7 +2404,7 @@
           <a:p>
             <a:fld id="{3C54C89D-3D43-4045-9729-7AB174F7019A}" type="datetime1">
               <a:rPr lang="ru-RU" smtClean="0"/>
-              <a:t>19.06.2021</a:t>
+              <a:t>23.06.2021</a:t>
             </a:fld>
             <a:endParaRPr lang="ru-RU"/>
           </a:p>
@@ -2518,7 +2517,7 @@
           <a:p>
             <a:fld id="{AC056EEB-D2FA-446B-B556-D6156ACDB8C8}" type="datetime1">
               <a:rPr lang="ru-RU" smtClean="0"/>
-              <a:t>19.06.2021</a:t>
+              <a:t>23.06.2021</a:t>
             </a:fld>
             <a:endParaRPr lang="ru-RU"/>
           </a:p>
@@ -2829,7 +2828,7 @@
           <a:p>
             <a:fld id="{DD9388BE-D459-4849-A67B-6956EC1147E4}" type="datetime1">
               <a:rPr lang="ru-RU" smtClean="0"/>
-              <a:t>19.06.2021</a:t>
+              <a:t>23.06.2021</a:t>
             </a:fld>
             <a:endParaRPr lang="ru-RU"/>
           </a:p>
@@ -3117,7 +3116,7 @@
           <a:p>
             <a:fld id="{6460D3B8-F91E-45B7-8A2D-77F5646BA9C1}" type="datetime1">
               <a:rPr lang="ru-RU" smtClean="0"/>
-              <a:t>19.06.2021</a:t>
+              <a:t>23.06.2021</a:t>
             </a:fld>
             <a:endParaRPr lang="ru-RU"/>
           </a:p>
@@ -3358,7 +3357,7 @@
           <a:p>
             <a:fld id="{E8AD45DF-CC57-45C8-BADA-F006E3287420}" type="datetime1">
               <a:rPr lang="ru-RU" smtClean="0"/>
-              <a:t>19.06.2021</a:t>
+              <a:t>23.06.2021</a:t>
             </a:fld>
             <a:endParaRPr lang="ru-RU"/>
           </a:p>
@@ -3798,7 +3797,7 @@
         </p:blipFill>
         <p:spPr>
           <a:xfrm>
-            <a:off x="0" y="0"/>
+            <a:off x="0" y="9236"/>
             <a:ext cx="12192000" cy="6858000"/>
           </a:xfrm>
           <a:prstGeom prst="rect">
@@ -3830,46 +3829,44 @@
         </p:spPr>
         <p:txBody>
           <a:bodyPr>
-            <a:normAutofit lnSpcReduction="10000"/>
+            <a:normAutofit fontScale="92500" lnSpcReduction="10000"/>
           </a:bodyPr>
           <a:lstStyle/>
           <a:p>
             <a:pPr algn="just"/>
             <a:r>
-              <a:rPr lang="en-US" dirty="0"/>
-              <a:t>Team #2</a:t>
+              <a:rPr lang="ru-RU" dirty="0"/>
+              <a:t>Преподаватель: Тарасов В.С.</a:t>
             </a:r>
           </a:p>
           <a:p>
             <a:pPr algn="just"/>
             <a:r>
-              <a:rPr lang="en-US" dirty="0"/>
-              <a:t>Team Lead: Denis Belashkov</a:t>
+              <a:rPr lang="ru-RU" dirty="0"/>
+              <a:t>Руководитель: Сиволапов К.В.</a:t>
             </a:r>
           </a:p>
           <a:p>
             <a:pPr algn="just"/>
             <a:r>
-              <a:rPr lang="en-US" dirty="0"/>
-              <a:t>Kotlin Dev: Denis </a:t>
-            </a:r>
-            <a:r>
-              <a:rPr lang="en-US" dirty="0" err="1"/>
-              <a:t>Makushin</a:t>
-            </a:r>
-            <a:endParaRPr lang="en-US" dirty="0"/>
+              <a:rPr lang="ru-RU" dirty="0"/>
+              <a:t>Подготовили: </a:t>
+            </a:r>
+            <a:r>
+              <a:rPr lang="ru-RU" dirty="0" err="1"/>
+              <a:t>Белашков</a:t>
+            </a:r>
+            <a:r>
+              <a:rPr lang="ru-RU" dirty="0"/>
+              <a:t> Д.И.,</a:t>
+            </a:r>
           </a:p>
           <a:p>
             <a:pPr algn="just"/>
             <a:r>
-              <a:rPr lang="en-US" dirty="0"/>
-              <a:t>Python Dev: Semen </a:t>
-            </a:r>
-            <a:r>
-              <a:rPr lang="en-US" dirty="0" err="1"/>
-              <a:t>Krupenin</a:t>
-            </a:r>
-            <a:endParaRPr lang="ru-RU" dirty="0"/>
+              <a:rPr lang="ru-RU" dirty="0"/>
+              <a:t>Макушин Д.В., Крупенин С.С.</a:t>
+            </a:r>
           </a:p>
         </p:txBody>
       </p:sp>
@@ -3908,7 +3905,7 @@
           <p:cNvPr id="2" name="Заголовок 1">
             <a:extLst>
               <a:ext uri="{FF2B5EF4-FFF2-40B4-BE49-F238E27FC236}">
-                <a16:creationId xmlns:a16="http://schemas.microsoft.com/office/drawing/2014/main" id="{477A5175-77C8-4F3C-A16E-14527E85BCE9}"/>
+                <a16:creationId xmlns:a16="http://schemas.microsoft.com/office/drawing/2014/main" id="{07C6F772-6661-487C-A0A6-6646F62D4DA5}"/>
               </a:ext>
             </a:extLst>
           </p:cNvPr>
@@ -3927,116 +3924,146 @@
           <a:lstStyle/>
           <a:p>
             <a:r>
-              <a:rPr lang="en-US" sz="3200" b="1" dirty="0">
+              <a:rPr lang="ru-RU" sz="3200" b="1" dirty="0">
                 <a:latin typeface="Times New Roman" panose="02020603050405020304" pitchFamily="18" charset="0"/>
                 <a:cs typeface="Times New Roman" panose="02020603050405020304" pitchFamily="18" charset="0"/>
               </a:rPr>
-              <a:t>Swagger</a:t>
-            </a:r>
-            <a:endParaRPr lang="ru-RU" sz="2800" b="1" dirty="0">
-              <a:latin typeface="Times New Roman" panose="02020603050405020304" pitchFamily="18" charset="0"/>
-              <a:cs typeface="Times New Roman" panose="02020603050405020304" pitchFamily="18" charset="0"/>
-            </a:endParaRPr>
+              <a:t>Анализ продуктовых воронок</a:t>
+            </a:r>
+          </a:p>
+        </p:txBody>
+      </p:sp>
+      <p:sp>
+        <p:nvSpPr>
+          <p:cNvPr id="4" name="Номер слайда 3">
+            <a:extLst>
+              <a:ext uri="{FF2B5EF4-FFF2-40B4-BE49-F238E27FC236}">
+                <a16:creationId xmlns:a16="http://schemas.microsoft.com/office/drawing/2014/main" id="{966AC67F-8D17-42C0-8ADA-EF5894030E92}"/>
+              </a:ext>
+            </a:extLst>
+          </p:cNvPr>
+          <p:cNvSpPr>
+            <a:spLocks noGrp="1"/>
+          </p:cNvSpPr>
+          <p:nvPr>
+            <p:ph type="sldNum" sz="quarter" idx="12"/>
+          </p:nvPr>
+        </p:nvSpPr>
+        <p:spPr/>
+        <p:txBody>
+          <a:bodyPr/>
+          <a:lstStyle/>
+          <a:p>
+            <a:fld id="{B74BA920-9401-4058-9D94-FD2BADD84892}" type="slidenum">
+              <a:rPr lang="ru-RU" sz="1400" smtClean="0"/>
+              <a:t>10</a:t>
+            </a:fld>
+            <a:r>
+              <a:rPr lang="ru-RU" sz="1400" dirty="0"/>
+              <a:t>/13</a:t>
+            </a:r>
+            <a:endParaRPr lang="ru-RU" dirty="0"/>
           </a:p>
         </p:txBody>
       </p:sp>
       <p:pic>
         <p:nvPicPr>
-          <p:cNvPr id="5" name="Рисунок 4">
-            <a:extLst>
-              <a:ext uri="{FF2B5EF4-FFF2-40B4-BE49-F238E27FC236}">
-                <a16:creationId xmlns:a16="http://schemas.microsoft.com/office/drawing/2014/main" id="{8834296A-C3CF-49DD-ACBD-EED4F5F92407}"/>
+          <p:cNvPr id="2052" name="Picture 4">
+            <a:extLst>
+              <a:ext uri="{FF2B5EF4-FFF2-40B4-BE49-F238E27FC236}">
+                <a16:creationId xmlns:a16="http://schemas.microsoft.com/office/drawing/2014/main" id="{3B225CA9-8A42-40E1-8169-06A1F3AF9CF8}"/>
               </a:ext>
             </a:extLst>
           </p:cNvPr>
           <p:cNvPicPr>
-            <a:picLocks noChangeAspect="1"/>
+            <a:picLocks noChangeAspect="1" noChangeArrowheads="1"/>
           </p:cNvPicPr>
           <p:nvPr/>
         </p:nvPicPr>
         <p:blipFill>
-          <a:blip r:embed="rId2"/>
+          <a:blip r:embed="rId2">
+            <a:extLst>
+              <a:ext uri="{28A0092B-C50C-407E-A947-70E740481C1C}">
+                <a14:useLocalDpi xmlns:a14="http://schemas.microsoft.com/office/drawing/2010/main" val="0"/>
+              </a:ext>
+            </a:extLst>
+          </a:blip>
+          <a:srcRect/>
           <a:stretch>
             <a:fillRect/>
           </a:stretch>
         </p:blipFill>
-        <p:spPr>
+        <p:spPr bwMode="auto">
           <a:xfrm>
-            <a:off x="5640112" y="1027906"/>
-            <a:ext cx="5713688" cy="5477910"/>
+            <a:off x="838200" y="1590719"/>
+            <a:ext cx="5615745" cy="4010583"/>
           </a:xfrm>
           <a:prstGeom prst="rect">
             <a:avLst/>
           </a:prstGeom>
+          <a:noFill/>
+          <a:extLst>
+            <a:ext uri="{909E8E84-426E-40DD-AFC4-6F175D3DCCD1}">
+              <a14:hiddenFill xmlns:a14="http://schemas.microsoft.com/office/drawing/2010/main">
+                <a:solidFill>
+                  <a:srgbClr val="FFFFFF"/>
+                </a:solidFill>
+              </a14:hiddenFill>
+            </a:ext>
+          </a:extLst>
         </p:spPr>
       </p:pic>
       <p:pic>
         <p:nvPicPr>
-          <p:cNvPr id="7" name="Рисунок 6">
-            <a:extLst>
-              <a:ext uri="{FF2B5EF4-FFF2-40B4-BE49-F238E27FC236}">
-                <a16:creationId xmlns:a16="http://schemas.microsoft.com/office/drawing/2014/main" id="{89B921B5-C676-4043-9137-5DD72939AD55}"/>
+          <p:cNvPr id="2054" name="Picture 6">
+            <a:extLst>
+              <a:ext uri="{FF2B5EF4-FFF2-40B4-BE49-F238E27FC236}">
+                <a16:creationId xmlns:a16="http://schemas.microsoft.com/office/drawing/2014/main" id="{B48F65AB-A463-4DA4-AC72-1DC4F45E4CB8}"/>
               </a:ext>
             </a:extLst>
           </p:cNvPr>
           <p:cNvPicPr>
-            <a:picLocks noChangeAspect="1"/>
+            <a:picLocks noChangeAspect="1" noChangeArrowheads="1"/>
           </p:cNvPicPr>
           <p:nvPr/>
         </p:nvPicPr>
         <p:blipFill>
-          <a:blip r:embed="rId3"/>
+          <a:blip r:embed="rId3">
+            <a:extLst>
+              <a:ext uri="{28A0092B-C50C-407E-A947-70E740481C1C}">
+                <a14:useLocalDpi xmlns:a14="http://schemas.microsoft.com/office/drawing/2010/main" val="0"/>
+              </a:ext>
+            </a:extLst>
+          </a:blip>
+          <a:srcRect/>
           <a:stretch>
             <a:fillRect/>
           </a:stretch>
         </p:blipFill>
-        <p:spPr>
+        <p:spPr bwMode="auto">
           <a:xfrm>
-            <a:off x="838199" y="1690688"/>
-            <a:ext cx="4025763" cy="4815128"/>
+            <a:off x="6773525" y="1590719"/>
+            <a:ext cx="4305807" cy="4010583"/>
           </a:xfrm>
           <a:prstGeom prst="rect">
             <a:avLst/>
           </a:prstGeom>
+          <a:noFill/>
+          <a:extLst>
+            <a:ext uri="{909E8E84-426E-40DD-AFC4-6F175D3DCCD1}">
+              <a14:hiddenFill xmlns:a14="http://schemas.microsoft.com/office/drawing/2010/main">
+                <a:solidFill>
+                  <a:srgbClr val="FFFFFF"/>
+                </a:solidFill>
+              </a14:hiddenFill>
+            </a:ext>
+          </a:extLst>
         </p:spPr>
       </p:pic>
-      <p:sp>
-        <p:nvSpPr>
-          <p:cNvPr id="3" name="Номер слайда 2">
-            <a:extLst>
-              <a:ext uri="{FF2B5EF4-FFF2-40B4-BE49-F238E27FC236}">
-                <a16:creationId xmlns:a16="http://schemas.microsoft.com/office/drawing/2014/main" id="{60B3993D-5D1C-40E1-857A-F33E297057E8}"/>
-              </a:ext>
-            </a:extLst>
-          </p:cNvPr>
-          <p:cNvSpPr>
-            <a:spLocks noGrp="1"/>
-          </p:cNvSpPr>
-          <p:nvPr>
-            <p:ph type="sldNum" sz="quarter" idx="12"/>
-          </p:nvPr>
-        </p:nvSpPr>
-        <p:spPr/>
-        <p:txBody>
-          <a:bodyPr/>
-          <a:lstStyle/>
-          <a:p>
-            <a:fld id="{B74BA920-9401-4058-9D94-FD2BADD84892}" type="slidenum">
-              <a:rPr lang="ru-RU" sz="1400" smtClean="0"/>
-              <a:t>10</a:t>
-            </a:fld>
-            <a:r>
-              <a:rPr lang="ru-RU" sz="1400" dirty="0"/>
-              <a:t>/14</a:t>
-            </a:r>
-            <a:endParaRPr lang="ru-RU" dirty="0"/>
-          </a:p>
-        </p:txBody>
-      </p:sp>
     </p:spTree>
     <p:extLst>
       <p:ext uri="{BB962C8B-B14F-4D97-AF65-F5344CB8AC3E}">
-        <p14:creationId xmlns:p14="http://schemas.microsoft.com/office/powerpoint/2010/main" val="3537937111"/>
+        <p14:creationId xmlns:p14="http://schemas.microsoft.com/office/powerpoint/2010/main" val="3902940333"/>
       </p:ext>
     </p:extLst>
   </p:cSld>
@@ -4068,7 +4095,7 @@
           <p:cNvPr id="2" name="Заголовок 1">
             <a:extLst>
               <a:ext uri="{FF2B5EF4-FFF2-40B4-BE49-F238E27FC236}">
-                <a16:creationId xmlns:a16="http://schemas.microsoft.com/office/drawing/2014/main" id="{5E09DDD9-E27B-442E-8289-6512F51754CD}"/>
+                <a16:creationId xmlns:a16="http://schemas.microsoft.com/office/drawing/2014/main" id="{7C85415E-E82E-440B-A44E-C5962C1C59D5}"/>
               </a:ext>
             </a:extLst>
           </p:cNvPr>
@@ -4081,7 +4108,9 @@
         </p:nvSpPr>
         <p:spPr/>
         <p:txBody>
-          <a:bodyPr/>
+          <a:bodyPr>
+            <a:normAutofit/>
+          </a:bodyPr>
           <a:lstStyle/>
           <a:p>
             <a:r>
@@ -4089,13 +4118,12 @@
                 <a:latin typeface="Times New Roman" panose="02020603050405020304" pitchFamily="18" charset="0"/>
                 <a:cs typeface="Times New Roman" panose="02020603050405020304" pitchFamily="18" charset="0"/>
               </a:rPr>
-              <a:t>Python</a:t>
-            </a:r>
-            <a:r>
-              <a:rPr lang="en-US" dirty="0"/>
-              <a:t> </a:t>
-            </a:r>
-            <a:endParaRPr lang="ru-RU" dirty="0"/>
+              <a:t>Kotlin</a:t>
+            </a:r>
+            <a:endParaRPr lang="ru-RU" sz="3200" b="1" dirty="0">
+              <a:latin typeface="Times New Roman" panose="02020603050405020304" pitchFamily="18" charset="0"/>
+              <a:cs typeface="Times New Roman" panose="02020603050405020304" pitchFamily="18" charset="0"/>
+            </a:endParaRPr>
           </a:p>
         </p:txBody>
       </p:sp>
@@ -4104,7 +4132,7 @@
           <p:cNvPr id="3" name="Объект 2">
             <a:extLst>
               <a:ext uri="{FF2B5EF4-FFF2-40B4-BE49-F238E27FC236}">
-                <a16:creationId xmlns:a16="http://schemas.microsoft.com/office/drawing/2014/main" id="{C912218F-B8B5-4BBF-9376-E9B12B29A965}"/>
+                <a16:creationId xmlns:a16="http://schemas.microsoft.com/office/drawing/2014/main" id="{B31D52E2-85E9-4E81-A10A-73BCAB4676B0}"/>
               </a:ext>
             </a:extLst>
           </p:cNvPr>
@@ -4117,13 +4145,13 @@
         </p:nvSpPr>
         <p:spPr>
           <a:xfrm>
-            <a:off x="838200" y="1825625"/>
-            <a:ext cx="10515600" cy="2124583"/>
+            <a:off x="838199" y="1985950"/>
+            <a:ext cx="8918448" cy="2886099"/>
           </a:xfrm>
         </p:spPr>
         <p:txBody>
           <a:bodyPr>
-            <a:normAutofit lnSpcReduction="10000"/>
+            <a:noAutofit/>
           </a:bodyPr>
           <a:lstStyle/>
           <a:p>
@@ -4135,8 +4163,19 @@
                 <a:latin typeface="Times New Roman" panose="02020603050405020304" pitchFamily="18" charset="0"/>
                 <a:cs typeface="Times New Roman" panose="02020603050405020304" pitchFamily="18" charset="0"/>
               </a:rPr>
-              <a:t>● Высокая скорость обработки информации</a:t>
-            </a:r>
+              <a:t>● Популярность среди разработчиков под </a:t>
+            </a:r>
+            <a:r>
+              <a:rPr lang="en-US" sz="3200" dirty="0">
+                <a:latin typeface="Times New Roman" panose="02020603050405020304" pitchFamily="18" charset="0"/>
+                <a:cs typeface="Times New Roman" panose="02020603050405020304" pitchFamily="18" charset="0"/>
+              </a:rPr>
+              <a:t>Android</a:t>
+            </a:r>
+            <a:endParaRPr lang="ru-RU" sz="3200" dirty="0">
+              <a:latin typeface="Times New Roman" panose="02020603050405020304" pitchFamily="18" charset="0"/>
+              <a:cs typeface="Times New Roman" panose="02020603050405020304" pitchFamily="18" charset="0"/>
+            </a:endParaRPr>
           </a:p>
           <a:p>
             <a:pPr marL="0" indent="0">
@@ -4147,13 +4186,28 @@
                 <a:latin typeface="Times New Roman" panose="02020603050405020304" pitchFamily="18" charset="0"/>
                 <a:cs typeface="Times New Roman" panose="02020603050405020304" pitchFamily="18" charset="0"/>
               </a:rPr>
-              <a:t>● Легкая расширяемость </a:t>
-            </a:r>
-          </a:p>
-          <a:p>
-            <a:pPr marL="0" indent="0">
-              <a:buNone/>
-            </a:pPr>
+              <a:t>● Приоритетный язык для </a:t>
+            </a:r>
+            <a:r>
+              <a:rPr lang="ru-RU" sz="3200" dirty="0" err="1">
+                <a:latin typeface="Times New Roman" panose="02020603050405020304" pitchFamily="18" charset="0"/>
+                <a:cs typeface="Times New Roman" panose="02020603050405020304" pitchFamily="18" charset="0"/>
+              </a:rPr>
+              <a:t>Android</a:t>
+            </a:r>
+            <a:r>
+              <a:rPr lang="ru-RU" sz="3200" dirty="0">
+                <a:latin typeface="Times New Roman" panose="02020603050405020304" pitchFamily="18" charset="0"/>
+                <a:cs typeface="Times New Roman" panose="02020603050405020304" pitchFamily="18" charset="0"/>
+              </a:rPr>
+              <a:t>-разработки</a:t>
+            </a:r>
+            <a:br>
+              <a:rPr lang="ru-RU" sz="3200" dirty="0">
+                <a:latin typeface="Times New Roman" panose="02020603050405020304" pitchFamily="18" charset="0"/>
+                <a:cs typeface="Times New Roman" panose="02020603050405020304" pitchFamily="18" charset="0"/>
+              </a:rPr>
+            </a:br>
             <a:r>
               <a:rPr lang="ru-RU" sz="3200" dirty="0">
                 <a:latin typeface="Times New Roman" panose="02020603050405020304" pitchFamily="18" charset="0"/>
@@ -4171,18 +4225,79 @@
                 <a:latin typeface="Times New Roman" panose="02020603050405020304" pitchFamily="18" charset="0"/>
                 <a:cs typeface="Times New Roman" panose="02020603050405020304" pitchFamily="18" charset="0"/>
               </a:rPr>
-              <a:t>● Быстрая разработка и изменение кода</a:t>
-            </a:r>
+              <a:t>● Обратная совместимость с </a:t>
+            </a:r>
+            <a:r>
+              <a:rPr lang="en-US" sz="3200" dirty="0">
+                <a:latin typeface="Times New Roman" panose="02020603050405020304" pitchFamily="18" charset="0"/>
+                <a:cs typeface="Times New Roman" panose="02020603050405020304" pitchFamily="18" charset="0"/>
+              </a:rPr>
+              <a:t>Java</a:t>
+            </a:r>
+            <a:endParaRPr lang="ru-RU" sz="3200" dirty="0">
+              <a:latin typeface="Times New Roman" panose="02020603050405020304" pitchFamily="18" charset="0"/>
+              <a:cs typeface="Times New Roman" panose="02020603050405020304" pitchFamily="18" charset="0"/>
+            </a:endParaRPr>
+          </a:p>
+          <a:p>
+            <a:pPr marL="0" indent="0">
+              <a:buNone/>
+            </a:pPr>
+            <a:endParaRPr lang="ru-RU" sz="3200" dirty="0">
+              <a:latin typeface="Times New Roman" panose="02020603050405020304" pitchFamily="18" charset="0"/>
+              <a:cs typeface="Times New Roman" panose="02020603050405020304" pitchFamily="18" charset="0"/>
+            </a:endParaRPr>
+          </a:p>
+          <a:p>
+            <a:pPr marL="0" indent="0">
+              <a:buNone/>
+            </a:pPr>
+            <a:endParaRPr lang="ru-RU" sz="3200" dirty="0">
+              <a:latin typeface="Times New Roman" panose="02020603050405020304" pitchFamily="18" charset="0"/>
+              <a:cs typeface="Times New Roman" panose="02020603050405020304" pitchFamily="18" charset="0"/>
+            </a:endParaRPr>
+          </a:p>
+          <a:p>
+            <a:pPr marL="0" indent="0">
+              <a:buNone/>
+            </a:pPr>
+            <a:endParaRPr lang="ru-RU" sz="3200" dirty="0">
+              <a:latin typeface="Times New Roman" panose="02020603050405020304" pitchFamily="18" charset="0"/>
+              <a:cs typeface="Times New Roman" panose="02020603050405020304" pitchFamily="18" charset="0"/>
+            </a:endParaRPr>
+          </a:p>
+          <a:p>
+            <a:pPr marL="0" indent="0">
+              <a:buNone/>
+            </a:pPr>
+            <a:endParaRPr lang="ru-RU" sz="3200" dirty="0">
+              <a:latin typeface="Times New Roman" panose="02020603050405020304" pitchFamily="18" charset="0"/>
+              <a:cs typeface="Times New Roman" panose="02020603050405020304" pitchFamily="18" charset="0"/>
+            </a:endParaRPr>
+          </a:p>
+          <a:p>
+            <a:pPr marL="0" indent="0">
+              <a:buNone/>
+            </a:pPr>
+            <a:endParaRPr lang="ru-RU" sz="3200" dirty="0">
+              <a:latin typeface="Times New Roman" panose="02020603050405020304" pitchFamily="18" charset="0"/>
+              <a:cs typeface="Times New Roman" panose="02020603050405020304" pitchFamily="18" charset="0"/>
+            </a:endParaRPr>
+          </a:p>
+          <a:p>
+            <a:pPr marL="0" indent="0">
+              <a:buNone/>
+            </a:pPr>
             <a:endParaRPr lang="ru-RU" sz="3200" dirty="0"/>
           </a:p>
         </p:txBody>
       </p:sp>
       <p:pic>
         <p:nvPicPr>
-          <p:cNvPr id="5" name="Picture 2">
-            <a:extLst>
-              <a:ext uri="{FF2B5EF4-FFF2-40B4-BE49-F238E27FC236}">
-                <a16:creationId xmlns:a16="http://schemas.microsoft.com/office/drawing/2014/main" id="{B7F34EC7-04AD-4DE0-AA65-4F61FAD6E7D1}"/>
+          <p:cNvPr id="1026" name="Picture 2">
+            <a:extLst>
+              <a:ext uri="{FF2B5EF4-FFF2-40B4-BE49-F238E27FC236}">
+                <a16:creationId xmlns:a16="http://schemas.microsoft.com/office/drawing/2014/main" id="{DFDF1D6A-7819-44C8-89D8-2DBAFEFEA3BC}"/>
               </a:ext>
             </a:extLst>
           </p:cNvPr>
@@ -4206,8 +4321,8 @@
         </p:blipFill>
         <p:spPr bwMode="auto">
           <a:xfrm>
-            <a:off x="3157730" y="5166360"/>
-            <a:ext cx="4474147" cy="1326515"/>
+            <a:off x="838199" y="5087784"/>
+            <a:ext cx="4218431" cy="929373"/>
           </a:xfrm>
           <a:prstGeom prst="rect">
             <a:avLst/>
@@ -4229,7 +4344,7 @@
           <p:cNvPr id="4" name="Номер слайда 3">
             <a:extLst>
               <a:ext uri="{FF2B5EF4-FFF2-40B4-BE49-F238E27FC236}">
-                <a16:creationId xmlns:a16="http://schemas.microsoft.com/office/drawing/2014/main" id="{225009F5-D986-4489-B46B-920380483B1F}"/>
+                <a16:creationId xmlns:a16="http://schemas.microsoft.com/office/drawing/2014/main" id="{B4FFFD61-6BCD-4389-B9F4-EC11CFD1F454}"/>
               </a:ext>
             </a:extLst>
           </p:cNvPr>
@@ -4251,16 +4366,110 @@
             </a:fld>
             <a:r>
               <a:rPr lang="ru-RU" sz="1400" dirty="0"/>
-              <a:t>/14</a:t>
+              <a:t>/13</a:t>
             </a:r>
             <a:endParaRPr lang="ru-RU" dirty="0"/>
           </a:p>
         </p:txBody>
       </p:sp>
+      <p:pic>
+        <p:nvPicPr>
+          <p:cNvPr id="4098" name="Picture 2">
+            <a:extLst>
+              <a:ext uri="{FF2B5EF4-FFF2-40B4-BE49-F238E27FC236}">
+                <a16:creationId xmlns:a16="http://schemas.microsoft.com/office/drawing/2014/main" id="{FEF06006-089B-472B-9B32-D17A88483F20}"/>
+              </a:ext>
+            </a:extLst>
+          </p:cNvPr>
+          <p:cNvPicPr>
+            <a:picLocks noChangeAspect="1" noChangeArrowheads="1"/>
+          </p:cNvPicPr>
+          <p:nvPr/>
+        </p:nvPicPr>
+        <p:blipFill>
+          <a:blip r:embed="rId3">
+            <a:extLst>
+              <a:ext uri="{28A0092B-C50C-407E-A947-70E740481C1C}">
+                <a14:useLocalDpi xmlns:a14="http://schemas.microsoft.com/office/drawing/2010/main" val="0"/>
+              </a:ext>
+            </a:extLst>
+          </a:blip>
+          <a:srcRect/>
+          <a:stretch>
+            <a:fillRect/>
+          </a:stretch>
+        </p:blipFill>
+        <p:spPr bwMode="auto">
+          <a:xfrm>
+            <a:off x="7307090" y="4666337"/>
+            <a:ext cx="3075823" cy="1517338"/>
+          </a:xfrm>
+          <a:prstGeom prst="rect">
+            <a:avLst/>
+          </a:prstGeom>
+          <a:noFill/>
+          <a:extLst>
+            <a:ext uri="{909E8E84-426E-40DD-AFC4-6F175D3DCCD1}">
+              <a14:hiddenFill xmlns:a14="http://schemas.microsoft.com/office/drawing/2010/main">
+                <a:solidFill>
+                  <a:srgbClr val="FFFFFF"/>
+                </a:solidFill>
+              </a14:hiddenFill>
+            </a:ext>
+          </a:extLst>
+        </p:spPr>
+      </p:pic>
+      <p:pic>
+        <p:nvPicPr>
+          <p:cNvPr id="4100" name="Picture 4">
+            <a:extLst>
+              <a:ext uri="{FF2B5EF4-FFF2-40B4-BE49-F238E27FC236}">
+                <a16:creationId xmlns:a16="http://schemas.microsoft.com/office/drawing/2014/main" id="{4943999C-BB5D-4672-A1F4-4E0024AF0EA7}"/>
+              </a:ext>
+            </a:extLst>
+          </p:cNvPr>
+          <p:cNvPicPr>
+            <a:picLocks noChangeAspect="1" noChangeArrowheads="1"/>
+          </p:cNvPicPr>
+          <p:nvPr/>
+        </p:nvPicPr>
+        <p:blipFill>
+          <a:blip r:embed="rId4">
+            <a:extLst>
+              <a:ext uri="{28A0092B-C50C-407E-A947-70E740481C1C}">
+                <a14:useLocalDpi xmlns:a14="http://schemas.microsoft.com/office/drawing/2010/main" val="0"/>
+              </a:ext>
+            </a:extLst>
+          </a:blip>
+          <a:srcRect/>
+          <a:stretch>
+            <a:fillRect/>
+          </a:stretch>
+        </p:blipFill>
+        <p:spPr bwMode="auto">
+          <a:xfrm>
+            <a:off x="8845001" y="2959763"/>
+            <a:ext cx="3075823" cy="1063756"/>
+          </a:xfrm>
+          <a:prstGeom prst="rect">
+            <a:avLst/>
+          </a:prstGeom>
+          <a:noFill/>
+          <a:extLst>
+            <a:ext uri="{909E8E84-426E-40DD-AFC4-6F175D3DCCD1}">
+              <a14:hiddenFill xmlns:a14="http://schemas.microsoft.com/office/drawing/2010/main">
+                <a:solidFill>
+                  <a:srgbClr val="FFFFFF"/>
+                </a:solidFill>
+              </a14:hiddenFill>
+            </a:ext>
+          </a:extLst>
+        </p:spPr>
+      </p:pic>
     </p:spTree>
     <p:extLst>
       <p:ext uri="{BB962C8B-B14F-4D97-AF65-F5344CB8AC3E}">
-        <p14:creationId xmlns:p14="http://schemas.microsoft.com/office/powerpoint/2010/main" val="3747021997"/>
+        <p14:creationId xmlns:p14="http://schemas.microsoft.com/office/powerpoint/2010/main" val="639203092"/>
       </p:ext>
     </p:extLst>
   </p:cSld>
@@ -4271,131 +4480,6 @@
 </file>
 
 <file path=ppt/slides/slide12.xml><?xml version="1.0" encoding="utf-8"?>
-<p:sld xmlns:a="http://schemas.openxmlformats.org/drawingml/2006/main" xmlns:r="http://schemas.openxmlformats.org/officeDocument/2006/relationships" xmlns:p="http://schemas.openxmlformats.org/presentationml/2006/main">
-  <p:cSld>
-    <p:spTree>
-      <p:nvGrpSpPr>
-        <p:cNvPr id="1" name=""/>
-        <p:cNvGrpSpPr/>
-        <p:nvPr/>
-      </p:nvGrpSpPr>
-      <p:grpSpPr>
-        <a:xfrm>
-          <a:off x="0" y="0"/>
-          <a:ext cx="0" cy="0"/>
-          <a:chOff x="0" y="0"/>
-          <a:chExt cx="0" cy="0"/>
-        </a:xfrm>
-      </p:grpSpPr>
-      <p:sp>
-        <p:nvSpPr>
-          <p:cNvPr id="2" name="Заголовок 1">
-            <a:extLst>
-              <a:ext uri="{FF2B5EF4-FFF2-40B4-BE49-F238E27FC236}">
-                <a16:creationId xmlns:a16="http://schemas.microsoft.com/office/drawing/2014/main" id="{8EAE5D02-FCED-4F75-BC78-BD20ECBFC146}"/>
-              </a:ext>
-            </a:extLst>
-          </p:cNvPr>
-          <p:cNvSpPr>
-            <a:spLocks noGrp="1"/>
-          </p:cNvSpPr>
-          <p:nvPr>
-            <p:ph type="title"/>
-          </p:nvPr>
-        </p:nvSpPr>
-        <p:spPr/>
-        <p:txBody>
-          <a:bodyPr>
-            <a:normAutofit/>
-          </a:bodyPr>
-          <a:lstStyle/>
-          <a:p>
-            <a:r>
-              <a:rPr lang="ru-RU" sz="3200" b="1" dirty="0">
-                <a:latin typeface="Times New Roman" panose="02020603050405020304" pitchFamily="18" charset="0"/>
-                <a:cs typeface="Times New Roman" panose="02020603050405020304" pitchFamily="18" charset="0"/>
-              </a:rPr>
-              <a:t>Диаграмма последовательностей</a:t>
-            </a:r>
-          </a:p>
-        </p:txBody>
-      </p:sp>
-      <p:pic>
-        <p:nvPicPr>
-          <p:cNvPr id="6" name="Объект 5">
-            <a:extLst>
-              <a:ext uri="{FF2B5EF4-FFF2-40B4-BE49-F238E27FC236}">
-                <a16:creationId xmlns:a16="http://schemas.microsoft.com/office/drawing/2014/main" id="{FEA90EA2-EA4A-4F0D-986C-5D69E769B9CB}"/>
-              </a:ext>
-            </a:extLst>
-          </p:cNvPr>
-          <p:cNvPicPr>
-            <a:picLocks noGrp="1" noChangeAspect="1"/>
-          </p:cNvPicPr>
-          <p:nvPr>
-            <p:ph idx="1"/>
-          </p:nvPr>
-        </p:nvPicPr>
-        <p:blipFill>
-          <a:blip r:embed="rId2"/>
-          <a:stretch>
-            <a:fillRect/>
-          </a:stretch>
-        </p:blipFill>
-        <p:spPr>
-          <a:xfrm>
-            <a:off x="1937829" y="1690688"/>
-            <a:ext cx="8316341" cy="4351338"/>
-          </a:xfrm>
-        </p:spPr>
-      </p:pic>
-      <p:sp>
-        <p:nvSpPr>
-          <p:cNvPr id="3" name="Номер слайда 2">
-            <a:extLst>
-              <a:ext uri="{FF2B5EF4-FFF2-40B4-BE49-F238E27FC236}">
-                <a16:creationId xmlns:a16="http://schemas.microsoft.com/office/drawing/2014/main" id="{226398CA-588A-46F9-9D0A-CCE251042413}"/>
-              </a:ext>
-            </a:extLst>
-          </p:cNvPr>
-          <p:cNvSpPr>
-            <a:spLocks noGrp="1"/>
-          </p:cNvSpPr>
-          <p:nvPr>
-            <p:ph type="sldNum" sz="quarter" idx="12"/>
-          </p:nvPr>
-        </p:nvSpPr>
-        <p:spPr/>
-        <p:txBody>
-          <a:bodyPr/>
-          <a:lstStyle/>
-          <a:p>
-            <a:fld id="{B74BA920-9401-4058-9D94-FD2BADD84892}" type="slidenum">
-              <a:rPr lang="ru-RU" sz="1400" smtClean="0"/>
-              <a:t>12</a:t>
-            </a:fld>
-            <a:r>
-              <a:rPr lang="ru-RU" sz="1400" dirty="0"/>
-              <a:t>/14</a:t>
-            </a:r>
-            <a:endParaRPr lang="ru-RU" dirty="0"/>
-          </a:p>
-        </p:txBody>
-      </p:sp>
-    </p:spTree>
-    <p:extLst>
-      <p:ext uri="{BB962C8B-B14F-4D97-AF65-F5344CB8AC3E}">
-        <p14:creationId xmlns:p14="http://schemas.microsoft.com/office/powerpoint/2010/main" val="144567938"/>
-      </p:ext>
-    </p:extLst>
-  </p:cSld>
-  <p:clrMapOvr>
-    <a:masterClrMapping/>
-  </p:clrMapOvr>
-</p:sld>
-</file>
-
-<file path=ppt/slides/slide13.xml><?xml version="1.0" encoding="utf-8"?>
 <p:sld xmlns:a="http://schemas.openxmlformats.org/drawingml/2006/main" xmlns:r="http://schemas.openxmlformats.org/officeDocument/2006/relationships" xmlns:p="http://schemas.openxmlformats.org/presentationml/2006/main">
   <p:cSld>
     <p:spTree>
@@ -4737,11 +4821,11 @@
           <a:p>
             <a:fld id="{B74BA920-9401-4058-9D94-FD2BADD84892}" type="slidenum">
               <a:rPr lang="ru-RU" sz="1400" smtClean="0"/>
-              <a:t>13</a:t>
+              <a:t>12</a:t>
             </a:fld>
             <a:r>
               <a:rPr lang="ru-RU" sz="1400" dirty="0"/>
-              <a:t>/14</a:t>
+              <a:t>/13</a:t>
             </a:r>
             <a:endParaRPr lang="ru-RU" dirty="0"/>
           </a:p>
@@ -4760,7 +4844,7 @@
 </p:sld>
 </file>
 
-<file path=ppt/slides/slide14.xml><?xml version="1.0" encoding="utf-8"?>
+<file path=ppt/slides/slide13.xml><?xml version="1.0" encoding="utf-8"?>
 <p:sld xmlns:a="http://schemas.openxmlformats.org/drawingml/2006/main" xmlns:r="http://schemas.openxmlformats.org/officeDocument/2006/relationships" xmlns:p="http://schemas.openxmlformats.org/presentationml/2006/main">
   <p:cSld>
     <p:spTree>
@@ -4831,46 +4915,44 @@
         </p:spPr>
         <p:txBody>
           <a:bodyPr>
-            <a:normAutofit lnSpcReduction="10000"/>
+            <a:normAutofit fontScale="92500" lnSpcReduction="10000"/>
           </a:bodyPr>
           <a:lstStyle/>
           <a:p>
             <a:pPr algn="just"/>
             <a:r>
-              <a:rPr lang="en-US" dirty="0"/>
-              <a:t>Team #2</a:t>
+              <a:rPr lang="ru-RU" dirty="0"/>
+              <a:t>Преподаватель: Тарасов В.С.</a:t>
             </a:r>
           </a:p>
           <a:p>
             <a:pPr algn="just"/>
             <a:r>
-              <a:rPr lang="en-US" dirty="0"/>
-              <a:t>Team Lead: Denis Belashkov</a:t>
+              <a:rPr lang="ru-RU" dirty="0"/>
+              <a:t>Руководитель: Сиволапов К.В.</a:t>
             </a:r>
           </a:p>
           <a:p>
             <a:pPr algn="just"/>
             <a:r>
-              <a:rPr lang="en-US" dirty="0"/>
-              <a:t>Kotlin Dev: Denis </a:t>
-            </a:r>
-            <a:r>
-              <a:rPr lang="en-US" dirty="0" err="1"/>
-              <a:t>Makushin</a:t>
-            </a:r>
-            <a:endParaRPr lang="en-US" dirty="0"/>
+              <a:rPr lang="ru-RU" dirty="0"/>
+              <a:t>Подготовили: </a:t>
+            </a:r>
+            <a:r>
+              <a:rPr lang="ru-RU" dirty="0" err="1"/>
+              <a:t>Белашков</a:t>
+            </a:r>
+            <a:r>
+              <a:rPr lang="ru-RU" dirty="0"/>
+              <a:t> Д.И.,</a:t>
+            </a:r>
           </a:p>
           <a:p>
             <a:pPr algn="just"/>
             <a:r>
-              <a:rPr lang="en-US" dirty="0"/>
-              <a:t>Python Dev: Semen </a:t>
-            </a:r>
-            <a:r>
-              <a:rPr lang="en-US" dirty="0" err="1"/>
-              <a:t>Krupenin</a:t>
-            </a:r>
-            <a:endParaRPr lang="ru-RU" dirty="0"/>
+              <a:rPr lang="ru-RU" dirty="0"/>
+              <a:t>Макушин Д.В., Крупенин С.С.</a:t>
+            </a:r>
           </a:p>
         </p:txBody>
       </p:sp>
@@ -5031,7 +5113,7 @@
             </a:fld>
             <a:r>
               <a:rPr lang="ru-RU" sz="1400" dirty="0"/>
-              <a:t>/14</a:t>
+              <a:t>/13</a:t>
             </a:r>
           </a:p>
         </p:txBody>
@@ -5135,7 +5217,7 @@
                 <a:latin typeface="Times New Roman" panose="02020603050405020304" pitchFamily="18" charset="0"/>
                 <a:cs typeface="Times New Roman" panose="02020603050405020304" pitchFamily="18" charset="0"/>
               </a:rPr>
-              <a:t>●	Передача показаний счетчиков пользователем</a:t>
+              <a:t>●	Передача показаний счетчиков</a:t>
             </a:r>
           </a:p>
           <a:p>
@@ -5171,6 +5253,15 @@
               <a:cs typeface="Times New Roman" panose="02020603050405020304" pitchFamily="18" charset="0"/>
             </a:endParaRPr>
           </a:p>
+          <a:p>
+            <a:pPr marL="0" indent="0">
+              <a:buNone/>
+            </a:pPr>
+            <a:endParaRPr lang="ru-RU" sz="3200" dirty="0">
+              <a:latin typeface="Times New Roman" panose="02020603050405020304" pitchFamily="18" charset="0"/>
+              <a:cs typeface="Times New Roman" panose="02020603050405020304" pitchFamily="18" charset="0"/>
+            </a:endParaRPr>
+          </a:p>
         </p:txBody>
       </p:sp>
       <p:sp>
@@ -5200,7 +5291,7 @@
             </a:fld>
             <a:r>
               <a:rPr lang="ru-RU" sz="1400" dirty="0"/>
-              <a:t>/14</a:t>
+              <a:t>/13</a:t>
             </a:r>
           </a:p>
         </p:txBody>
@@ -6426,7 +6517,7 @@
             </a:fld>
             <a:r>
               <a:rPr lang="ru-RU" sz="1400" dirty="0"/>
-              <a:t>/14</a:t>
+              <a:t>/13</a:t>
             </a:r>
             <a:endParaRPr lang="ru-RU" dirty="0"/>
           </a:p>
@@ -6480,8 +6571,8 @@
         </p:nvSpPr>
         <p:spPr>
           <a:xfrm>
-            <a:off x="838200" y="1690688"/>
-            <a:ext cx="6725575" cy="1628358"/>
+            <a:off x="776962" y="2341270"/>
+            <a:ext cx="6725575" cy="2175459"/>
           </a:xfrm>
         </p:spPr>
         <p:txBody>
@@ -6492,11 +6583,11 @@
               <a:buNone/>
             </a:pPr>
             <a:r>
-              <a:rPr lang="ru-RU" dirty="0">
+              <a:rPr lang="ru-RU" sz="3200" dirty="0">
                 <a:latin typeface="Times New Roman" panose="02020603050405020304" pitchFamily="18" charset="0"/>
                 <a:cs typeface="Times New Roman" panose="02020603050405020304" pitchFamily="18" charset="0"/>
               </a:rPr>
-              <a:t>● Оплата по отдельным счетчикам</a:t>
+              <a:t>●	Передача показаний счетчиков</a:t>
             </a:r>
           </a:p>
           <a:p>
@@ -6504,11 +6595,11 @@
               <a:buNone/>
             </a:pPr>
             <a:r>
-              <a:rPr lang="ru-RU" dirty="0">
+              <a:rPr lang="ru-RU" sz="3200" dirty="0">
                 <a:latin typeface="Times New Roman" panose="02020603050405020304" pitchFamily="18" charset="0"/>
                 <a:cs typeface="Times New Roman" panose="02020603050405020304" pitchFamily="18" charset="0"/>
               </a:rPr>
-              <a:t>● Анонимный пользователь</a:t>
+              <a:t>●	Оплата потребленных услуг</a:t>
             </a:r>
           </a:p>
           <a:p>
@@ -6516,18 +6607,18 @@
               <a:buNone/>
             </a:pPr>
             <a:r>
-              <a:rPr lang="ru-RU" dirty="0">
+              <a:rPr lang="ru-RU" sz="3200" dirty="0">
                 <a:latin typeface="Times New Roman" panose="02020603050405020304" pitchFamily="18" charset="0"/>
                 <a:cs typeface="Times New Roman" panose="02020603050405020304" pitchFamily="18" charset="0"/>
               </a:rPr>
-              <a:t>● Полная история оплат</a:t>
+              <a:t>●	Сохранение истории платежей</a:t>
             </a:r>
           </a:p>
           <a:p>
             <a:pPr marL="0" indent="0">
               <a:buNone/>
             </a:pPr>
-            <a:endParaRPr lang="ru-RU" dirty="0">
+            <a:endParaRPr lang="ru-RU" sz="3200" dirty="0">
               <a:latin typeface="Times New Roman" panose="02020603050405020304" pitchFamily="18" charset="0"/>
               <a:cs typeface="Times New Roman" panose="02020603050405020304" pitchFamily="18" charset="0"/>
             </a:endParaRPr>
@@ -6596,69 +6687,86 @@
           </a:p>
         </p:txBody>
       </p:sp>
+      <p:sp>
+        <p:nvSpPr>
+          <p:cNvPr id="2" name="Номер слайда 1">
+            <a:extLst>
+              <a:ext uri="{FF2B5EF4-FFF2-40B4-BE49-F238E27FC236}">
+                <a16:creationId xmlns:a16="http://schemas.microsoft.com/office/drawing/2014/main" id="{E79A8062-7174-47D7-901E-372E1D466FF5}"/>
+              </a:ext>
+            </a:extLst>
+          </p:cNvPr>
+          <p:cNvSpPr>
+            <a:spLocks noGrp="1"/>
+          </p:cNvSpPr>
+          <p:nvPr>
+            <p:ph type="sldNum" sz="quarter" idx="12"/>
+          </p:nvPr>
+        </p:nvSpPr>
+        <p:spPr/>
+        <p:txBody>
+          <a:bodyPr/>
+          <a:lstStyle/>
+          <a:p>
+            <a:fld id="{B74BA920-9401-4058-9D94-FD2BADD84892}" type="slidenum">
+              <a:rPr lang="ru-RU" sz="1400" smtClean="0"/>
+              <a:t>5</a:t>
+            </a:fld>
+            <a:r>
+              <a:rPr lang="ru-RU" sz="1400" dirty="0"/>
+              <a:t>/13</a:t>
+            </a:r>
+            <a:endParaRPr lang="ru-RU" dirty="0"/>
+          </a:p>
+        </p:txBody>
+      </p:sp>
       <p:pic>
         <p:nvPicPr>
-          <p:cNvPr id="7" name="Рисунок 6">
-            <a:extLst>
-              <a:ext uri="{FF2B5EF4-FFF2-40B4-BE49-F238E27FC236}">
-                <a16:creationId xmlns:a16="http://schemas.microsoft.com/office/drawing/2014/main" id="{0F48741C-7FB2-4F10-9F7F-5A35548F7FA7}"/>
+          <p:cNvPr id="1026" name="Picture 2">
+            <a:extLst>
+              <a:ext uri="{FF2B5EF4-FFF2-40B4-BE49-F238E27FC236}">
+                <a16:creationId xmlns:a16="http://schemas.microsoft.com/office/drawing/2014/main" id="{EDAE7A73-27E8-4065-9B71-19BF298D3945}"/>
               </a:ext>
             </a:extLst>
           </p:cNvPr>
           <p:cNvPicPr>
-            <a:picLocks noChangeAspect="1"/>
+            <a:picLocks noChangeAspect="1" noChangeArrowheads="1"/>
           </p:cNvPicPr>
           <p:nvPr/>
         </p:nvPicPr>
         <p:blipFill>
-          <a:blip r:embed="rId2"/>
+          <a:blip r:embed="rId2">
+            <a:extLst>
+              <a:ext uri="{28A0092B-C50C-407E-A947-70E740481C1C}">
+                <a14:useLocalDpi xmlns:a14="http://schemas.microsoft.com/office/drawing/2010/main" val="0"/>
+              </a:ext>
+            </a:extLst>
+          </a:blip>
+          <a:srcRect/>
           <a:stretch>
             <a:fillRect/>
           </a:stretch>
         </p:blipFill>
-        <p:spPr>
+        <p:spPr bwMode="auto">
           <a:xfrm>
-            <a:off x="7906512" y="1690688"/>
-            <a:ext cx="2780508" cy="4965192"/>
+            <a:off x="8052251" y="1351213"/>
+            <a:ext cx="2813072" cy="5005137"/>
           </a:xfrm>
           <a:prstGeom prst="rect">
             <a:avLst/>
           </a:prstGeom>
+          <a:noFill/>
+          <a:extLst>
+            <a:ext uri="{909E8E84-426E-40DD-AFC4-6F175D3DCCD1}">
+              <a14:hiddenFill xmlns:a14="http://schemas.microsoft.com/office/drawing/2010/main">
+                <a:solidFill>
+                  <a:srgbClr val="FFFFFF"/>
+                </a:solidFill>
+              </a14:hiddenFill>
+            </a:ext>
+          </a:extLst>
         </p:spPr>
       </p:pic>
-      <p:sp>
-        <p:nvSpPr>
-          <p:cNvPr id="2" name="Номер слайда 1">
-            <a:extLst>
-              <a:ext uri="{FF2B5EF4-FFF2-40B4-BE49-F238E27FC236}">
-                <a16:creationId xmlns:a16="http://schemas.microsoft.com/office/drawing/2014/main" id="{E79A8062-7174-47D7-901E-372E1D466FF5}"/>
-              </a:ext>
-            </a:extLst>
-          </p:cNvPr>
-          <p:cNvSpPr>
-            <a:spLocks noGrp="1"/>
-          </p:cNvSpPr>
-          <p:nvPr>
-            <p:ph type="sldNum" sz="quarter" idx="12"/>
-          </p:nvPr>
-        </p:nvSpPr>
-        <p:spPr/>
-        <p:txBody>
-          <a:bodyPr/>
-          <a:lstStyle/>
-          <a:p>
-            <a:fld id="{B74BA920-9401-4058-9D94-FD2BADD84892}" type="slidenum">
-              <a:rPr lang="ru-RU" sz="1400" smtClean="0"/>
-              <a:t>5</a:t>
-            </a:fld>
-            <a:r>
-              <a:rPr lang="ru-RU" sz="1400" dirty="0"/>
-              <a:t>/14</a:t>
-            </a:r>
-            <a:endParaRPr lang="ru-RU" dirty="0"/>
-          </a:p>
-        </p:txBody>
-      </p:sp>
     </p:spTree>
     <p:extLst>
       <p:ext uri="{BB962C8B-B14F-4D97-AF65-F5344CB8AC3E}">
@@ -6796,7 +6904,7 @@
             </a:fld>
             <a:r>
               <a:rPr lang="ru-RU" sz="1400" dirty="0"/>
-              <a:t>/14</a:t>
+              <a:t>/13</a:t>
             </a:r>
           </a:p>
         </p:txBody>
@@ -6836,7 +6944,7 @@
           <p:cNvPr id="2" name="Заголовок 1">
             <a:extLst>
               <a:ext uri="{FF2B5EF4-FFF2-40B4-BE49-F238E27FC236}">
-                <a16:creationId xmlns:a16="http://schemas.microsoft.com/office/drawing/2014/main" id="{6F2685E8-83EA-45FB-B69F-7E7108EF273A}"/>
+                <a16:creationId xmlns:a16="http://schemas.microsoft.com/office/drawing/2014/main" id="{477A5175-77C8-4F3C-A16E-14527E85BCE9}"/>
               </a:ext>
             </a:extLst>
           </p:cNvPr>
@@ -6847,12 +6955,7 @@
             <p:ph type="title"/>
           </p:nvPr>
         </p:nvSpPr>
-        <p:spPr>
-          <a:xfrm>
-            <a:off x="838200" y="365125"/>
-            <a:ext cx="10515600" cy="1427099"/>
-          </a:xfrm>
-        </p:spPr>
+        <p:spPr/>
         <p:txBody>
           <a:bodyPr>
             <a:normAutofit/>
@@ -6860,39 +6963,95 @@
           <a:lstStyle/>
           <a:p>
             <a:r>
-              <a:rPr lang="ru-RU" sz="3200" b="1" dirty="0">
-                <a:effectLst/>
+              <a:rPr lang="en-US" sz="3200" b="1" dirty="0">
                 <a:latin typeface="Times New Roman" panose="02020603050405020304" pitchFamily="18" charset="0"/>
-                <a:ea typeface="Calibri" panose="020F0502020204030204" pitchFamily="34" charset="0"/>
+                <a:cs typeface="Times New Roman" panose="02020603050405020304" pitchFamily="18" charset="0"/>
               </a:rPr>
-              <a:t>Оплата и передача показаний</a:t>
-            </a:r>
-            <a:br>
-              <a:rPr lang="ru-RU" sz="3200" b="1" dirty="0">
-                <a:effectLst/>
-                <a:latin typeface="Times New Roman" panose="02020603050405020304" pitchFamily="18" charset="0"/>
-                <a:ea typeface="Calibri" panose="020F0502020204030204" pitchFamily="34" charset="0"/>
-              </a:rPr>
-            </a:br>
-            <a:endParaRPr lang="ru-RU" sz="3200" b="1" dirty="0"/>
+              <a:t>Swagger</a:t>
+            </a:r>
+            <a:endParaRPr lang="ru-RU" sz="2800" b="1" dirty="0">
+              <a:latin typeface="Times New Roman" panose="02020603050405020304" pitchFamily="18" charset="0"/>
+              <a:cs typeface="Times New Roman" panose="02020603050405020304" pitchFamily="18" charset="0"/>
+            </a:endParaRPr>
+          </a:p>
+        </p:txBody>
+      </p:sp>
+      <p:sp>
+        <p:nvSpPr>
+          <p:cNvPr id="3" name="Номер слайда 2">
+            <a:extLst>
+              <a:ext uri="{FF2B5EF4-FFF2-40B4-BE49-F238E27FC236}">
+                <a16:creationId xmlns:a16="http://schemas.microsoft.com/office/drawing/2014/main" id="{60B3993D-5D1C-40E1-857A-F33E297057E8}"/>
+              </a:ext>
+            </a:extLst>
+          </p:cNvPr>
+          <p:cNvSpPr>
+            <a:spLocks noGrp="1"/>
+          </p:cNvSpPr>
+          <p:nvPr>
+            <p:ph type="sldNum" sz="quarter" idx="12"/>
+          </p:nvPr>
+        </p:nvSpPr>
+        <p:spPr/>
+        <p:txBody>
+          <a:bodyPr/>
+          <a:lstStyle/>
+          <a:p>
+            <a:fld id="{B74BA920-9401-4058-9D94-FD2BADD84892}" type="slidenum">
+              <a:rPr lang="ru-RU" sz="1400" smtClean="0"/>
+              <a:t>7</a:t>
+            </a:fld>
+            <a:r>
+              <a:rPr lang="ru-RU" sz="1400" dirty="0"/>
+              <a:t>/13</a:t>
+            </a:r>
+            <a:endParaRPr lang="ru-RU" dirty="0"/>
           </a:p>
         </p:txBody>
       </p:sp>
       <p:pic>
         <p:nvPicPr>
-          <p:cNvPr id="4" name="Объект 3">
-            <a:extLst>
-              <a:ext uri="{FF2B5EF4-FFF2-40B4-BE49-F238E27FC236}">
-                <a16:creationId xmlns:a16="http://schemas.microsoft.com/office/drawing/2014/main" id="{7D433158-23C1-47B7-8543-285649187179}"/>
+          <p:cNvPr id="6" name="Рисунок 5">
+            <a:extLst>
+              <a:ext uri="{FF2B5EF4-FFF2-40B4-BE49-F238E27FC236}">
+                <a16:creationId xmlns:a16="http://schemas.microsoft.com/office/drawing/2014/main" id="{2C4A2D19-0588-462A-B5DC-51CCF42CDD08}"/>
               </a:ext>
             </a:extLst>
           </p:cNvPr>
           <p:cNvPicPr>
-            <a:picLocks noGrp="1"/>
+            <a:picLocks noChangeAspect="1"/>
           </p:cNvPicPr>
-          <p:nvPr>
-            <p:ph idx="1"/>
-          </p:nvPr>
+          <p:nvPr/>
+        </p:nvPicPr>
+        <p:blipFill>
+          <a:blip r:embed="rId2"/>
+          <a:stretch>
+            <a:fillRect/>
+          </a:stretch>
+        </p:blipFill>
+        <p:spPr>
+          <a:xfrm>
+            <a:off x="838200" y="1447522"/>
+            <a:ext cx="5915851" cy="3962953"/>
+          </a:xfrm>
+          <a:prstGeom prst="rect">
+            <a:avLst/>
+          </a:prstGeom>
+        </p:spPr>
+      </p:pic>
+      <p:pic>
+        <p:nvPicPr>
+          <p:cNvPr id="9" name="Рисунок 8">
+            <a:extLst>
+              <a:ext uri="{FF2B5EF4-FFF2-40B4-BE49-F238E27FC236}">
+                <a16:creationId xmlns:a16="http://schemas.microsoft.com/office/drawing/2014/main" id="{782409A6-8CA7-4ED2-91EE-96CA994844D8}"/>
+              </a:ext>
+            </a:extLst>
+          </p:cNvPr>
+          <p:cNvPicPr>
+            <a:picLocks noChangeAspect="1"/>
+          </p:cNvPicPr>
+          <p:nvPr/>
         </p:nvPicPr>
         <p:blipFill>
           <a:blip r:embed="rId3"/>
@@ -6902,51 +7061,18 @@
         </p:blipFill>
         <p:spPr>
           <a:xfrm>
-            <a:off x="838200" y="2129644"/>
-            <a:ext cx="10515600" cy="3743300"/>
+            <a:off x="6872396" y="761626"/>
+            <a:ext cx="4363059" cy="5334744"/>
           </a:xfrm>
           <a:prstGeom prst="rect">
             <a:avLst/>
           </a:prstGeom>
         </p:spPr>
       </p:pic>
-      <p:sp>
-        <p:nvSpPr>
-          <p:cNvPr id="3" name="Номер слайда 2">
-            <a:extLst>
-              <a:ext uri="{FF2B5EF4-FFF2-40B4-BE49-F238E27FC236}">
-                <a16:creationId xmlns:a16="http://schemas.microsoft.com/office/drawing/2014/main" id="{530F18AC-9DC9-4E65-A763-17746AD15FA7}"/>
-              </a:ext>
-            </a:extLst>
-          </p:cNvPr>
-          <p:cNvSpPr>
-            <a:spLocks noGrp="1"/>
-          </p:cNvSpPr>
-          <p:nvPr>
-            <p:ph type="sldNum" sz="quarter" idx="12"/>
-          </p:nvPr>
-        </p:nvSpPr>
-        <p:spPr/>
-        <p:txBody>
-          <a:bodyPr/>
-          <a:lstStyle/>
-          <a:p>
-            <a:fld id="{B74BA920-9401-4058-9D94-FD2BADD84892}" type="slidenum">
-              <a:rPr lang="ru-RU" sz="1400" smtClean="0"/>
-              <a:t>7</a:t>
-            </a:fld>
-            <a:r>
-              <a:rPr lang="ru-RU" sz="1400" dirty="0"/>
-              <a:t>/14</a:t>
-            </a:r>
-            <a:endParaRPr lang="ru-RU" dirty="0"/>
-          </a:p>
-        </p:txBody>
-      </p:sp>
     </p:spTree>
     <p:extLst>
       <p:ext uri="{BB962C8B-B14F-4D97-AF65-F5344CB8AC3E}">
-        <p14:creationId xmlns:p14="http://schemas.microsoft.com/office/powerpoint/2010/main" val="2680409041"/>
+        <p14:creationId xmlns:p14="http://schemas.microsoft.com/office/powerpoint/2010/main" val="3537937111"/>
       </p:ext>
     </p:extLst>
   </p:cSld>
@@ -6978,7 +7104,7 @@
           <p:cNvPr id="2" name="Заголовок 1">
             <a:extLst>
               <a:ext uri="{FF2B5EF4-FFF2-40B4-BE49-F238E27FC236}">
-                <a16:creationId xmlns:a16="http://schemas.microsoft.com/office/drawing/2014/main" id="{07C6F772-6661-487C-A0A6-6646F62D4DA5}"/>
+                <a16:creationId xmlns:a16="http://schemas.microsoft.com/office/drawing/2014/main" id="{5E09DDD9-E27B-442E-8289-6512F51754CD}"/>
               </a:ext>
             </a:extLst>
           </p:cNvPr>
@@ -6991,18 +7117,21 @@
         </p:nvSpPr>
         <p:spPr/>
         <p:txBody>
-          <a:bodyPr>
-            <a:normAutofit/>
-          </a:bodyPr>
+          <a:bodyPr/>
           <a:lstStyle/>
           <a:p>
             <a:r>
-              <a:rPr lang="ru-RU" sz="3200" b="1" dirty="0">
+              <a:rPr lang="en-US" sz="3200" b="1" dirty="0">
                 <a:latin typeface="Times New Roman" panose="02020603050405020304" pitchFamily="18" charset="0"/>
                 <a:cs typeface="Times New Roman" panose="02020603050405020304" pitchFamily="18" charset="0"/>
               </a:rPr>
-              <a:t>Внешний вид приложения</a:t>
-            </a:r>
+              <a:t>Python</a:t>
+            </a:r>
+            <a:r>
+              <a:rPr lang="en-US" dirty="0"/>
+              <a:t> </a:t>
+            </a:r>
+            <a:endParaRPr lang="ru-RU" dirty="0"/>
           </a:p>
         </p:txBody>
       </p:sp>
@@ -7011,7 +7140,7 @@
           <p:cNvPr id="3" name="Объект 2">
             <a:extLst>
               <a:ext uri="{FF2B5EF4-FFF2-40B4-BE49-F238E27FC236}">
-                <a16:creationId xmlns:a16="http://schemas.microsoft.com/office/drawing/2014/main" id="{4A92D92C-9779-47D3-B9B7-74748E0BCE89}"/>
+                <a16:creationId xmlns:a16="http://schemas.microsoft.com/office/drawing/2014/main" id="{C912218F-B8B5-4BBF-9376-E9B12B29A965}"/>
               </a:ext>
             </a:extLst>
           </p:cNvPr>
@@ -7024,13 +7153,13 @@
         </p:nvSpPr>
         <p:spPr>
           <a:xfrm>
-            <a:off x="838200" y="1843913"/>
-            <a:ext cx="10515600" cy="2307463"/>
+            <a:off x="838200" y="1825625"/>
+            <a:ext cx="10515600" cy="2124583"/>
           </a:xfrm>
         </p:spPr>
         <p:txBody>
           <a:bodyPr>
-            <a:normAutofit/>
+            <a:normAutofit lnSpcReduction="10000"/>
           </a:bodyPr>
           <a:lstStyle/>
           <a:p>
@@ -7042,7 +7171,7 @@
                 <a:latin typeface="Times New Roman" panose="02020603050405020304" pitchFamily="18" charset="0"/>
                 <a:cs typeface="Times New Roman" panose="02020603050405020304" pitchFamily="18" charset="0"/>
               </a:rPr>
-              <a:t>Основные цвета: #F9F5FD для фона и #2F4967 для текста и панелей навигации</a:t>
+              <a:t>● Высокая скорость обработки информации</a:t>
             </a:r>
           </a:p>
           <a:p>
@@ -7054,131 +7183,214 @@
                 <a:latin typeface="Times New Roman" panose="02020603050405020304" pitchFamily="18" charset="0"/>
                 <a:cs typeface="Times New Roman" panose="02020603050405020304" pitchFamily="18" charset="0"/>
               </a:rPr>
-              <a:t>Шрифт и размеры: </a:t>
-            </a:r>
-            <a:r>
-              <a:rPr lang="ru-RU" sz="3200" dirty="0" err="1">
-                <a:latin typeface="Times New Roman" panose="02020603050405020304" pitchFamily="18" charset="0"/>
-                <a:cs typeface="Times New Roman" panose="02020603050405020304" pitchFamily="18" charset="0"/>
-              </a:rPr>
-              <a:t>Comfortaa</a:t>
-            </a:r>
+              <a:t>● Легкая расширяемость </a:t>
+            </a:r>
+          </a:p>
+          <a:p>
+            <a:pPr marL="0" indent="0">
+              <a:buNone/>
+            </a:pPr>
             <a:r>
               <a:rPr lang="ru-RU" sz="3200" dirty="0">
                 <a:latin typeface="Times New Roman" panose="02020603050405020304" pitchFamily="18" charset="0"/>
                 <a:cs typeface="Times New Roman" panose="02020603050405020304" pitchFamily="18" charset="0"/>
               </a:rPr>
-              <a:t>, основные размеры: 12, 16, 20, 32. </a:t>
+              <a:t>● Хорошо написанная документация</a:t>
             </a:r>
           </a:p>
           <a:p>
             <a:pPr marL="0" indent="0">
               <a:buNone/>
             </a:pPr>
-            <a:endParaRPr lang="ru-RU" sz="3200" dirty="0">
-              <a:latin typeface="Times New Roman" panose="02020603050405020304" pitchFamily="18" charset="0"/>
-              <a:cs typeface="Times New Roman" panose="02020603050405020304" pitchFamily="18" charset="0"/>
-            </a:endParaRPr>
+            <a:r>
+              <a:rPr lang="ru-RU" sz="3200" dirty="0">
+                <a:latin typeface="Times New Roman" panose="02020603050405020304" pitchFamily="18" charset="0"/>
+                <a:cs typeface="Times New Roman" panose="02020603050405020304" pitchFamily="18" charset="0"/>
+              </a:rPr>
+              <a:t>● Быстрая разработка и изменение кода</a:t>
+            </a:r>
+            <a:endParaRPr lang="ru-RU" sz="3200" dirty="0"/>
           </a:p>
         </p:txBody>
       </p:sp>
       <p:pic>
         <p:nvPicPr>
-          <p:cNvPr id="5" name="Рисунок 4">
-            <a:extLst>
-              <a:ext uri="{FF2B5EF4-FFF2-40B4-BE49-F238E27FC236}">
-                <a16:creationId xmlns:a16="http://schemas.microsoft.com/office/drawing/2014/main" id="{9EE73A8E-5115-4961-B2EE-AAEDD4A4FF1B}"/>
+          <p:cNvPr id="5" name="Picture 2">
+            <a:extLst>
+              <a:ext uri="{FF2B5EF4-FFF2-40B4-BE49-F238E27FC236}">
+                <a16:creationId xmlns:a16="http://schemas.microsoft.com/office/drawing/2014/main" id="{B7F34EC7-04AD-4DE0-AA65-4F61FAD6E7D1}"/>
               </a:ext>
             </a:extLst>
           </p:cNvPr>
           <p:cNvPicPr>
-            <a:picLocks noChangeAspect="1"/>
+            <a:picLocks noChangeAspect="1" noChangeArrowheads="1"/>
           </p:cNvPicPr>
           <p:nvPr/>
         </p:nvPicPr>
         <p:blipFill>
-          <a:blip r:embed="rId2"/>
+          <a:blip r:embed="rId2">
+            <a:extLst>
+              <a:ext uri="{28A0092B-C50C-407E-A947-70E740481C1C}">
+                <a14:useLocalDpi xmlns:a14="http://schemas.microsoft.com/office/drawing/2010/main" val="0"/>
+              </a:ext>
+            </a:extLst>
+          </a:blip>
+          <a:srcRect/>
           <a:stretch>
             <a:fillRect/>
           </a:stretch>
         </p:blipFill>
-        <p:spPr>
+        <p:spPr bwMode="auto">
           <a:xfrm>
-            <a:off x="2825348" y="4151374"/>
-            <a:ext cx="2133898" cy="1924319"/>
+            <a:off x="2110957" y="5135287"/>
+            <a:ext cx="4474147" cy="1326515"/>
           </a:xfrm>
           <a:prstGeom prst="rect">
             <a:avLst/>
           </a:prstGeom>
+          <a:noFill/>
+          <a:extLst>
+            <a:ext uri="{909E8E84-426E-40DD-AFC4-6F175D3DCCD1}">
+              <a14:hiddenFill xmlns:a14="http://schemas.microsoft.com/office/drawing/2010/main">
+                <a:solidFill>
+                  <a:srgbClr val="FFFFFF"/>
+                </a:solidFill>
+              </a14:hiddenFill>
+            </a:ext>
+          </a:extLst>
+        </p:spPr>
+      </p:pic>
+      <p:sp>
+        <p:nvSpPr>
+          <p:cNvPr id="4" name="Номер слайда 3">
+            <a:extLst>
+              <a:ext uri="{FF2B5EF4-FFF2-40B4-BE49-F238E27FC236}">
+                <a16:creationId xmlns:a16="http://schemas.microsoft.com/office/drawing/2014/main" id="{225009F5-D986-4489-B46B-920380483B1F}"/>
+              </a:ext>
+            </a:extLst>
+          </p:cNvPr>
+          <p:cNvSpPr>
+            <a:spLocks noGrp="1"/>
+          </p:cNvSpPr>
+          <p:nvPr>
+            <p:ph type="sldNum" sz="quarter" idx="12"/>
+          </p:nvPr>
+        </p:nvSpPr>
+        <p:spPr/>
+        <p:txBody>
+          <a:bodyPr/>
+          <a:lstStyle/>
+          <a:p>
+            <a:fld id="{B74BA920-9401-4058-9D94-FD2BADD84892}" type="slidenum">
+              <a:rPr lang="ru-RU" sz="1400" smtClean="0"/>
+              <a:t>8</a:t>
+            </a:fld>
+            <a:r>
+              <a:rPr lang="ru-RU" sz="1400" dirty="0"/>
+              <a:t>/13</a:t>
+            </a:r>
+            <a:endParaRPr lang="ru-RU" dirty="0"/>
+          </a:p>
+        </p:txBody>
+      </p:sp>
+      <p:pic>
+        <p:nvPicPr>
+          <p:cNvPr id="5122" name="Picture 2">
+            <a:extLst>
+              <a:ext uri="{FF2B5EF4-FFF2-40B4-BE49-F238E27FC236}">
+                <a16:creationId xmlns:a16="http://schemas.microsoft.com/office/drawing/2014/main" id="{C5A18F36-FB35-46FC-A222-08D29DB4BE3D}"/>
+              </a:ext>
+            </a:extLst>
+          </p:cNvPr>
+          <p:cNvPicPr>
+            <a:picLocks noChangeAspect="1" noChangeArrowheads="1"/>
+          </p:cNvPicPr>
+          <p:nvPr/>
+        </p:nvPicPr>
+        <p:blipFill>
+          <a:blip r:embed="rId3">
+            <a:extLst>
+              <a:ext uri="{28A0092B-C50C-407E-A947-70E740481C1C}">
+                <a14:useLocalDpi xmlns:a14="http://schemas.microsoft.com/office/drawing/2010/main" val="0"/>
+              </a:ext>
+            </a:extLst>
+          </a:blip>
+          <a:srcRect/>
+          <a:stretch>
+            <a:fillRect/>
+          </a:stretch>
+        </p:blipFill>
+        <p:spPr bwMode="auto">
+          <a:xfrm>
+            <a:off x="8610600" y="2321539"/>
+            <a:ext cx="3245020" cy="1270127"/>
+          </a:xfrm>
+          <a:prstGeom prst="rect">
+            <a:avLst/>
+          </a:prstGeom>
+          <a:noFill/>
+          <a:extLst>
+            <a:ext uri="{909E8E84-426E-40DD-AFC4-6F175D3DCCD1}">
+              <a14:hiddenFill xmlns:a14="http://schemas.microsoft.com/office/drawing/2010/main">
+                <a:solidFill>
+                  <a:srgbClr val="FFFFFF"/>
+                </a:solidFill>
+              </a14:hiddenFill>
+            </a:ext>
+          </a:extLst>
         </p:spPr>
       </p:pic>
       <p:pic>
         <p:nvPicPr>
-          <p:cNvPr id="7" name="Рисунок 6">
-            <a:extLst>
-              <a:ext uri="{FF2B5EF4-FFF2-40B4-BE49-F238E27FC236}">
-                <a16:creationId xmlns:a16="http://schemas.microsoft.com/office/drawing/2014/main" id="{DCB1027F-A3E6-4DF7-9053-4998D67F9D04}"/>
+          <p:cNvPr id="5124" name="Picture 4">
+            <a:extLst>
+              <a:ext uri="{FF2B5EF4-FFF2-40B4-BE49-F238E27FC236}">
+                <a16:creationId xmlns:a16="http://schemas.microsoft.com/office/drawing/2014/main" id="{8DECDB1A-8ECA-4983-B7D2-393DBE102787}"/>
               </a:ext>
             </a:extLst>
           </p:cNvPr>
           <p:cNvPicPr>
-            <a:picLocks noChangeAspect="1"/>
+            <a:picLocks noChangeAspect="1" noChangeArrowheads="1"/>
           </p:cNvPicPr>
           <p:nvPr/>
         </p:nvPicPr>
         <p:blipFill>
-          <a:blip r:embed="rId3"/>
+          <a:blip r:embed="rId4">
+            <a:extLst>
+              <a:ext uri="{28A0092B-C50C-407E-A947-70E740481C1C}">
+                <a14:useLocalDpi xmlns:a14="http://schemas.microsoft.com/office/drawing/2010/main" val="0"/>
+              </a:ext>
+            </a:extLst>
+          </a:blip>
+          <a:srcRect/>
           <a:stretch>
             <a:fillRect/>
           </a:stretch>
         </p:blipFill>
-        <p:spPr>
+        <p:spPr bwMode="auto">
           <a:xfrm>
-            <a:off x="6486070" y="4151375"/>
-            <a:ext cx="2133898" cy="1924319"/>
+            <a:off x="6585104" y="3995060"/>
+            <a:ext cx="5200650" cy="1095375"/>
           </a:xfrm>
           <a:prstGeom prst="rect">
             <a:avLst/>
           </a:prstGeom>
+          <a:noFill/>
+          <a:extLst>
+            <a:ext uri="{909E8E84-426E-40DD-AFC4-6F175D3DCCD1}">
+              <a14:hiddenFill xmlns:a14="http://schemas.microsoft.com/office/drawing/2010/main">
+                <a:solidFill>
+                  <a:srgbClr val="FFFFFF"/>
+                </a:solidFill>
+              </a14:hiddenFill>
+            </a:ext>
+          </a:extLst>
         </p:spPr>
       </p:pic>
-      <p:sp>
-        <p:nvSpPr>
-          <p:cNvPr id="4" name="Номер слайда 3">
-            <a:extLst>
-              <a:ext uri="{FF2B5EF4-FFF2-40B4-BE49-F238E27FC236}">
-                <a16:creationId xmlns:a16="http://schemas.microsoft.com/office/drawing/2014/main" id="{966AC67F-8D17-42C0-8ADA-EF5894030E92}"/>
-              </a:ext>
-            </a:extLst>
-          </p:cNvPr>
-          <p:cNvSpPr>
-            <a:spLocks noGrp="1"/>
-          </p:cNvSpPr>
-          <p:nvPr>
-            <p:ph type="sldNum" sz="quarter" idx="12"/>
-          </p:nvPr>
-        </p:nvSpPr>
-        <p:spPr/>
-        <p:txBody>
-          <a:bodyPr/>
-          <a:lstStyle/>
-          <a:p>
-            <a:fld id="{B74BA920-9401-4058-9D94-FD2BADD84892}" type="slidenum">
-              <a:rPr lang="ru-RU" sz="1400" smtClean="0"/>
-              <a:t>8</a:t>
-            </a:fld>
-            <a:r>
-              <a:rPr lang="ru-RU" sz="1400" dirty="0"/>
-              <a:t>/14</a:t>
-            </a:r>
-            <a:endParaRPr lang="ru-RU" dirty="0"/>
-          </a:p>
-        </p:txBody>
-      </p:sp>
     </p:spTree>
     <p:extLst>
       <p:ext uri="{BB962C8B-B14F-4D97-AF65-F5344CB8AC3E}">
-        <p14:creationId xmlns:p14="http://schemas.microsoft.com/office/powerpoint/2010/main" val="3902940333"/>
+        <p14:creationId xmlns:p14="http://schemas.microsoft.com/office/powerpoint/2010/main" val="3747021997"/>
       </p:ext>
     </p:extLst>
   </p:cSld>
@@ -7210,7 +7422,7 @@
           <p:cNvPr id="2" name="Заголовок 1">
             <a:extLst>
               <a:ext uri="{FF2B5EF4-FFF2-40B4-BE49-F238E27FC236}">
-                <a16:creationId xmlns:a16="http://schemas.microsoft.com/office/drawing/2014/main" id="{7C85415E-E82E-440B-A44E-C5962C1C59D5}"/>
+                <a16:creationId xmlns:a16="http://schemas.microsoft.com/office/drawing/2014/main" id="{6F2685E8-83EA-45FB-B69F-7E7108EF273A}"/>
               </a:ext>
             </a:extLst>
           </p:cNvPr>
@@ -7221,7 +7433,12 @@
             <p:ph type="title"/>
           </p:nvPr>
         </p:nvSpPr>
-        <p:spPr/>
+        <p:spPr>
+          <a:xfrm>
+            <a:off x="838200" y="365125"/>
+            <a:ext cx="10515600" cy="1427099"/>
+          </a:xfrm>
+        </p:spPr>
         <p:txBody>
           <a:bodyPr>
             <a:normAutofit/>
@@ -7229,217 +7446,63 @@
           <a:lstStyle/>
           <a:p>
             <a:r>
-              <a:rPr lang="en-US" sz="3200" b="1" dirty="0">
+              <a:rPr lang="ru-RU" sz="3200" b="1" dirty="0">
+                <a:effectLst/>
                 <a:latin typeface="Times New Roman" panose="02020603050405020304" pitchFamily="18" charset="0"/>
-                <a:cs typeface="Times New Roman" panose="02020603050405020304" pitchFamily="18" charset="0"/>
+                <a:ea typeface="Calibri" panose="020F0502020204030204" pitchFamily="34" charset="0"/>
               </a:rPr>
-              <a:t>Kotlin</a:t>
-            </a:r>
-            <a:endParaRPr lang="ru-RU" sz="3200" b="1" dirty="0">
-              <a:latin typeface="Times New Roman" panose="02020603050405020304" pitchFamily="18" charset="0"/>
-              <a:cs typeface="Times New Roman" panose="02020603050405020304" pitchFamily="18" charset="0"/>
-            </a:endParaRPr>
-          </a:p>
-        </p:txBody>
-      </p:sp>
-      <p:sp>
-        <p:nvSpPr>
-          <p:cNvPr id="3" name="Объект 2">
-            <a:extLst>
-              <a:ext uri="{FF2B5EF4-FFF2-40B4-BE49-F238E27FC236}">
-                <a16:creationId xmlns:a16="http://schemas.microsoft.com/office/drawing/2014/main" id="{B31D52E2-85E9-4E81-A10A-73BCAB4676B0}"/>
-              </a:ext>
-            </a:extLst>
-          </p:cNvPr>
-          <p:cNvSpPr>
-            <a:spLocks noGrp="1"/>
-          </p:cNvSpPr>
-          <p:nvPr>
-            <p:ph idx="1"/>
-          </p:nvPr>
-        </p:nvSpPr>
-        <p:spPr>
-          <a:xfrm>
-            <a:off x="838199" y="1985950"/>
-            <a:ext cx="8918448" cy="2886099"/>
-          </a:xfrm>
-        </p:spPr>
-        <p:txBody>
-          <a:bodyPr>
-            <a:noAutofit/>
-          </a:bodyPr>
+              <a:t>Оплата и передача показаний</a:t>
+            </a:r>
+            <a:br>
+              <a:rPr lang="ru-RU" sz="3200" b="1" dirty="0">
+                <a:effectLst/>
+                <a:latin typeface="Times New Roman" panose="02020603050405020304" pitchFamily="18" charset="0"/>
+                <a:ea typeface="Calibri" panose="020F0502020204030204" pitchFamily="34" charset="0"/>
+              </a:rPr>
+            </a:br>
+            <a:endParaRPr lang="ru-RU" sz="3200" b="1" dirty="0"/>
+          </a:p>
+        </p:txBody>
+      </p:sp>
+      <p:sp>
+        <p:nvSpPr>
+          <p:cNvPr id="3" name="Номер слайда 2">
+            <a:extLst>
+              <a:ext uri="{FF2B5EF4-FFF2-40B4-BE49-F238E27FC236}">
+                <a16:creationId xmlns:a16="http://schemas.microsoft.com/office/drawing/2014/main" id="{530F18AC-9DC9-4E65-A763-17746AD15FA7}"/>
+              </a:ext>
+            </a:extLst>
+          </p:cNvPr>
+          <p:cNvSpPr>
+            <a:spLocks noGrp="1"/>
+          </p:cNvSpPr>
+          <p:nvPr>
+            <p:ph type="sldNum" sz="quarter" idx="12"/>
+          </p:nvPr>
+        </p:nvSpPr>
+        <p:spPr/>
+        <p:txBody>
+          <a:bodyPr/>
           <a:lstStyle/>
           <a:p>
-            <a:pPr marL="0" indent="0">
-              <a:buNone/>
-            </a:pPr>
-            <a:r>
-              <a:rPr lang="ru-RU" sz="3200" dirty="0">
-                <a:latin typeface="Times New Roman" panose="02020603050405020304" pitchFamily="18" charset="0"/>
-                <a:cs typeface="Times New Roman" panose="02020603050405020304" pitchFamily="18" charset="0"/>
-              </a:rPr>
-              <a:t>● Популярность среди разработчиков под </a:t>
-            </a:r>
-            <a:r>
-              <a:rPr lang="en-US" sz="3200" dirty="0">
-                <a:latin typeface="Times New Roman" panose="02020603050405020304" pitchFamily="18" charset="0"/>
-                <a:cs typeface="Times New Roman" panose="02020603050405020304" pitchFamily="18" charset="0"/>
-              </a:rPr>
-              <a:t>Android</a:t>
-            </a:r>
-            <a:endParaRPr lang="ru-RU" sz="3200" dirty="0">
-              <a:latin typeface="Times New Roman" panose="02020603050405020304" pitchFamily="18" charset="0"/>
-              <a:cs typeface="Times New Roman" panose="02020603050405020304" pitchFamily="18" charset="0"/>
-            </a:endParaRPr>
-          </a:p>
-          <a:p>
-            <a:pPr marL="0" indent="0">
-              <a:buNone/>
-            </a:pPr>
-            <a:r>
-              <a:rPr lang="ru-RU" sz="3200" dirty="0">
-                <a:latin typeface="Times New Roman" panose="02020603050405020304" pitchFamily="18" charset="0"/>
-                <a:cs typeface="Times New Roman" panose="02020603050405020304" pitchFamily="18" charset="0"/>
-              </a:rPr>
-              <a:t>● </a:t>
-            </a:r>
-            <a:r>
-              <a:rPr lang="en-US" sz="3200" dirty="0">
-                <a:latin typeface="Times New Roman" panose="02020603050405020304" pitchFamily="18" charset="0"/>
-                <a:cs typeface="Times New Roman" panose="02020603050405020304" pitchFamily="18" charset="0"/>
-              </a:rPr>
-              <a:t>Google</a:t>
-            </a:r>
-            <a:r>
-              <a:rPr lang="ru-RU" sz="3200" dirty="0">
-                <a:latin typeface="Times New Roman" panose="02020603050405020304" pitchFamily="18" charset="0"/>
-                <a:cs typeface="Times New Roman" panose="02020603050405020304" pitchFamily="18" charset="0"/>
-              </a:rPr>
-              <a:t> рекомендует</a:t>
-            </a:r>
-            <a:r>
-              <a:rPr lang="en-US" sz="3200" dirty="0">
-                <a:latin typeface="Times New Roman" panose="02020603050405020304" pitchFamily="18" charset="0"/>
-                <a:cs typeface="Times New Roman" panose="02020603050405020304" pitchFamily="18" charset="0"/>
-              </a:rPr>
-              <a:t> </a:t>
-            </a:r>
-            <a:r>
-              <a:rPr lang="ru-RU" sz="3200" dirty="0">
-                <a:latin typeface="Times New Roman" panose="02020603050405020304" pitchFamily="18" charset="0"/>
-                <a:cs typeface="Times New Roman" panose="02020603050405020304" pitchFamily="18" charset="0"/>
-              </a:rPr>
-              <a:t>для </a:t>
-            </a:r>
-            <a:r>
-              <a:rPr lang="en-US" sz="3200" dirty="0">
-                <a:latin typeface="Times New Roman" panose="02020603050405020304" pitchFamily="18" charset="0"/>
-                <a:cs typeface="Times New Roman" panose="02020603050405020304" pitchFamily="18" charset="0"/>
-              </a:rPr>
-              <a:t>Android</a:t>
-            </a:r>
-            <a:r>
-              <a:rPr lang="ru-RU" sz="3200" dirty="0">
-                <a:latin typeface="Times New Roman" panose="02020603050405020304" pitchFamily="18" charset="0"/>
-                <a:cs typeface="Times New Roman" panose="02020603050405020304" pitchFamily="18" charset="0"/>
-              </a:rPr>
-              <a:t> разработки </a:t>
-            </a:r>
-          </a:p>
-          <a:p>
-            <a:pPr marL="0" indent="0">
-              <a:buNone/>
-            </a:pPr>
-            <a:r>
-              <a:rPr lang="ru-RU" sz="3200" dirty="0">
-                <a:latin typeface="Times New Roman" panose="02020603050405020304" pitchFamily="18" charset="0"/>
-                <a:cs typeface="Times New Roman" panose="02020603050405020304" pitchFamily="18" charset="0"/>
-              </a:rPr>
-              <a:t>● Хорошо написанная документация</a:t>
-            </a:r>
-          </a:p>
-          <a:p>
-            <a:pPr marL="0" indent="0">
-              <a:buNone/>
-            </a:pPr>
-            <a:r>
-              <a:rPr lang="ru-RU" sz="3200" dirty="0">
-                <a:latin typeface="Times New Roman" panose="02020603050405020304" pitchFamily="18" charset="0"/>
-                <a:cs typeface="Times New Roman" panose="02020603050405020304" pitchFamily="18" charset="0"/>
-              </a:rPr>
-              <a:t>● Обратная совместимость с </a:t>
-            </a:r>
-            <a:r>
-              <a:rPr lang="en-US" sz="3200" dirty="0">
-                <a:latin typeface="Times New Roman" panose="02020603050405020304" pitchFamily="18" charset="0"/>
-                <a:cs typeface="Times New Roman" panose="02020603050405020304" pitchFamily="18" charset="0"/>
-              </a:rPr>
-              <a:t>Java</a:t>
-            </a:r>
-            <a:endParaRPr lang="ru-RU" sz="3200" dirty="0">
-              <a:latin typeface="Times New Roman" panose="02020603050405020304" pitchFamily="18" charset="0"/>
-              <a:cs typeface="Times New Roman" panose="02020603050405020304" pitchFamily="18" charset="0"/>
-            </a:endParaRPr>
-          </a:p>
-          <a:p>
-            <a:pPr marL="0" indent="0">
-              <a:buNone/>
-            </a:pPr>
-            <a:endParaRPr lang="ru-RU" sz="3200" dirty="0">
-              <a:latin typeface="Times New Roman" panose="02020603050405020304" pitchFamily="18" charset="0"/>
-              <a:cs typeface="Times New Roman" panose="02020603050405020304" pitchFamily="18" charset="0"/>
-            </a:endParaRPr>
-          </a:p>
-          <a:p>
-            <a:pPr marL="0" indent="0">
-              <a:buNone/>
-            </a:pPr>
-            <a:endParaRPr lang="ru-RU" sz="3200" dirty="0">
-              <a:latin typeface="Times New Roman" panose="02020603050405020304" pitchFamily="18" charset="0"/>
-              <a:cs typeface="Times New Roman" panose="02020603050405020304" pitchFamily="18" charset="0"/>
-            </a:endParaRPr>
-          </a:p>
-          <a:p>
-            <a:pPr marL="0" indent="0">
-              <a:buNone/>
-            </a:pPr>
-            <a:endParaRPr lang="ru-RU" sz="3200" dirty="0">
-              <a:latin typeface="Times New Roman" panose="02020603050405020304" pitchFamily="18" charset="0"/>
-              <a:cs typeface="Times New Roman" panose="02020603050405020304" pitchFamily="18" charset="0"/>
-            </a:endParaRPr>
-          </a:p>
-          <a:p>
-            <a:pPr marL="0" indent="0">
-              <a:buNone/>
-            </a:pPr>
-            <a:endParaRPr lang="ru-RU" sz="3200" dirty="0">
-              <a:latin typeface="Times New Roman" panose="02020603050405020304" pitchFamily="18" charset="0"/>
-              <a:cs typeface="Times New Roman" panose="02020603050405020304" pitchFamily="18" charset="0"/>
-            </a:endParaRPr>
-          </a:p>
-          <a:p>
-            <a:pPr marL="0" indent="0">
-              <a:buNone/>
-            </a:pPr>
-            <a:endParaRPr lang="ru-RU" sz="3200" dirty="0">
-              <a:latin typeface="Times New Roman" panose="02020603050405020304" pitchFamily="18" charset="0"/>
-              <a:cs typeface="Times New Roman" panose="02020603050405020304" pitchFamily="18" charset="0"/>
-            </a:endParaRPr>
-          </a:p>
-          <a:p>
-            <a:pPr marL="0" indent="0">
-              <a:buNone/>
-            </a:pPr>
-            <a:endParaRPr lang="ru-RU" sz="3200" dirty="0"/>
+            <a:fld id="{B74BA920-9401-4058-9D94-FD2BADD84892}" type="slidenum">
+              <a:rPr lang="ru-RU" sz="1400" smtClean="0"/>
+              <a:t>9</a:t>
+            </a:fld>
+            <a:r>
+              <a:rPr lang="ru-RU" sz="1400" dirty="0"/>
+              <a:t>/13</a:t>
+            </a:r>
+            <a:endParaRPr lang="ru-RU" dirty="0"/>
           </a:p>
         </p:txBody>
       </p:sp>
       <p:pic>
         <p:nvPicPr>
-          <p:cNvPr id="1026" name="Picture 2">
-            <a:extLst>
-              <a:ext uri="{FF2B5EF4-FFF2-40B4-BE49-F238E27FC236}">
-                <a16:creationId xmlns:a16="http://schemas.microsoft.com/office/drawing/2014/main" id="{DFDF1D6A-7819-44C8-89D8-2DBAFEFEA3BC}"/>
+          <p:cNvPr id="3074" name="Picture 2">
+            <a:extLst>
+              <a:ext uri="{FF2B5EF4-FFF2-40B4-BE49-F238E27FC236}">
+                <a16:creationId xmlns:a16="http://schemas.microsoft.com/office/drawing/2014/main" id="{1D79B0D8-41E0-4C6F-A3F9-6E6C3D89FD4F}"/>
               </a:ext>
             </a:extLst>
           </p:cNvPr>
@@ -7449,7 +7512,7 @@
           <p:nvPr/>
         </p:nvPicPr>
         <p:blipFill>
-          <a:blip r:embed="rId2">
+          <a:blip r:embed="rId3">
             <a:extLst>
               <a:ext uri="{28A0092B-C50C-407E-A947-70E740481C1C}">
                 <a14:useLocalDpi xmlns:a14="http://schemas.microsoft.com/office/drawing/2010/main" val="0"/>
@@ -7463,8 +7526,8 @@
         </p:blipFill>
         <p:spPr bwMode="auto">
           <a:xfrm>
-            <a:off x="3188208" y="5303519"/>
-            <a:ext cx="4218431" cy="929373"/>
+            <a:off x="524171" y="1792222"/>
+            <a:ext cx="2565208" cy="4564126"/>
           </a:xfrm>
           <a:prstGeom prst="rect">
             <a:avLst/>
@@ -7481,43 +7544,151 @@
           </a:extLst>
         </p:spPr>
       </p:pic>
-      <p:sp>
-        <p:nvSpPr>
-          <p:cNvPr id="4" name="Номер слайда 3">
-            <a:extLst>
-              <a:ext uri="{FF2B5EF4-FFF2-40B4-BE49-F238E27FC236}">
-                <a16:creationId xmlns:a16="http://schemas.microsoft.com/office/drawing/2014/main" id="{B4FFFD61-6BCD-4389-B9F4-EC11CFD1F454}"/>
-              </a:ext>
-            </a:extLst>
-          </p:cNvPr>
-          <p:cNvSpPr>
-            <a:spLocks noGrp="1"/>
-          </p:cNvSpPr>
-          <p:nvPr>
-            <p:ph type="sldNum" sz="quarter" idx="12"/>
-          </p:nvPr>
-        </p:nvSpPr>
-        <p:spPr/>
-        <p:txBody>
-          <a:bodyPr/>
-          <a:lstStyle/>
-          <a:p>
-            <a:fld id="{B74BA920-9401-4058-9D94-FD2BADD84892}" type="slidenum">
-              <a:rPr lang="ru-RU" sz="1400" smtClean="0"/>
-              <a:t>9</a:t>
-            </a:fld>
-            <a:r>
-              <a:rPr lang="ru-RU" sz="1400" dirty="0"/>
-              <a:t>/14</a:t>
-            </a:r>
-            <a:endParaRPr lang="ru-RU" dirty="0"/>
-          </a:p>
-        </p:txBody>
-      </p:sp>
+      <p:pic>
+        <p:nvPicPr>
+          <p:cNvPr id="3076" name="Picture 4">
+            <a:extLst>
+              <a:ext uri="{FF2B5EF4-FFF2-40B4-BE49-F238E27FC236}">
+                <a16:creationId xmlns:a16="http://schemas.microsoft.com/office/drawing/2014/main" id="{8770193D-FFE4-4B76-8298-EC8CF07C572F}"/>
+              </a:ext>
+            </a:extLst>
+          </p:cNvPr>
+          <p:cNvPicPr>
+            <a:picLocks noChangeAspect="1" noChangeArrowheads="1"/>
+          </p:cNvPicPr>
+          <p:nvPr/>
+        </p:nvPicPr>
+        <p:blipFill>
+          <a:blip r:embed="rId4">
+            <a:extLst>
+              <a:ext uri="{28A0092B-C50C-407E-A947-70E740481C1C}">
+                <a14:useLocalDpi xmlns:a14="http://schemas.microsoft.com/office/drawing/2010/main" val="0"/>
+              </a:ext>
+            </a:extLst>
+          </a:blip>
+          <a:srcRect/>
+          <a:stretch>
+            <a:fillRect/>
+          </a:stretch>
+        </p:blipFill>
+        <p:spPr bwMode="auto">
+          <a:xfrm>
+            <a:off x="3403408" y="1792222"/>
+            <a:ext cx="2565208" cy="4564126"/>
+          </a:xfrm>
+          <a:prstGeom prst="rect">
+            <a:avLst/>
+          </a:prstGeom>
+          <a:noFill/>
+          <a:extLst>
+            <a:ext uri="{909E8E84-426E-40DD-AFC4-6F175D3DCCD1}">
+              <a14:hiddenFill xmlns:a14="http://schemas.microsoft.com/office/drawing/2010/main">
+                <a:solidFill>
+                  <a:srgbClr val="FFFFFF"/>
+                </a:solidFill>
+              </a14:hiddenFill>
+            </a:ext>
+          </a:extLst>
+        </p:spPr>
+      </p:pic>
+      <p:pic>
+        <p:nvPicPr>
+          <p:cNvPr id="3078" name="Picture 6">
+            <a:extLst>
+              <a:ext uri="{FF2B5EF4-FFF2-40B4-BE49-F238E27FC236}">
+                <a16:creationId xmlns:a16="http://schemas.microsoft.com/office/drawing/2014/main" id="{E3465804-C792-45B2-BFF9-39BDC4D5AB2C}"/>
+              </a:ext>
+            </a:extLst>
+          </p:cNvPr>
+          <p:cNvPicPr>
+            <a:picLocks noChangeAspect="1" noChangeArrowheads="1"/>
+          </p:cNvPicPr>
+          <p:nvPr/>
+        </p:nvPicPr>
+        <p:blipFill>
+          <a:blip r:embed="rId5">
+            <a:extLst>
+              <a:ext uri="{28A0092B-C50C-407E-A947-70E740481C1C}">
+                <a14:useLocalDpi xmlns:a14="http://schemas.microsoft.com/office/drawing/2010/main" val="0"/>
+              </a:ext>
+            </a:extLst>
+          </a:blip>
+          <a:srcRect/>
+          <a:stretch>
+            <a:fillRect/>
+          </a:stretch>
+        </p:blipFill>
+        <p:spPr bwMode="auto">
+          <a:xfrm>
+            <a:off x="6282645" y="1792222"/>
+            <a:ext cx="2565208" cy="4564126"/>
+          </a:xfrm>
+          <a:prstGeom prst="rect">
+            <a:avLst/>
+          </a:prstGeom>
+          <a:noFill/>
+          <a:extLst>
+            <a:ext uri="{909E8E84-426E-40DD-AFC4-6F175D3DCCD1}">
+              <a14:hiddenFill xmlns:a14="http://schemas.microsoft.com/office/drawing/2010/main">
+                <a:solidFill>
+                  <a:srgbClr val="FFFFFF"/>
+                </a:solidFill>
+              </a14:hiddenFill>
+            </a:ext>
+          </a:extLst>
+        </p:spPr>
+      </p:pic>
+      <p:pic>
+        <p:nvPicPr>
+          <p:cNvPr id="3080" name="Picture 8">
+            <a:extLst>
+              <a:ext uri="{FF2B5EF4-FFF2-40B4-BE49-F238E27FC236}">
+                <a16:creationId xmlns:a16="http://schemas.microsoft.com/office/drawing/2014/main" id="{BB49730F-2A78-4F2A-92F8-55F3CBCDAF6C}"/>
+              </a:ext>
+            </a:extLst>
+          </p:cNvPr>
+          <p:cNvPicPr>
+            <a:picLocks noChangeAspect="1" noChangeArrowheads="1"/>
+          </p:cNvPicPr>
+          <p:nvPr/>
+        </p:nvPicPr>
+        <p:blipFill>
+          <a:blip r:embed="rId6">
+            <a:extLst>
+              <a:ext uri="{28A0092B-C50C-407E-A947-70E740481C1C}">
+                <a14:useLocalDpi xmlns:a14="http://schemas.microsoft.com/office/drawing/2010/main" val="0"/>
+              </a:ext>
+            </a:extLst>
+          </a:blip>
+          <a:srcRect/>
+          <a:stretch>
+            <a:fillRect/>
+          </a:stretch>
+        </p:blipFill>
+        <p:spPr bwMode="auto">
+          <a:xfrm>
+            <a:off x="9161882" y="1792224"/>
+            <a:ext cx="2565207" cy="4564124"/>
+          </a:xfrm>
+          <a:prstGeom prst="rect">
+            <a:avLst/>
+          </a:prstGeom>
+          <a:noFill/>
+          <a:extLst>
+            <a:ext uri="{909E8E84-426E-40DD-AFC4-6F175D3DCCD1}">
+              <a14:hiddenFill xmlns:a14="http://schemas.microsoft.com/office/drawing/2010/main">
+                <a:solidFill>
+                  <a:srgbClr val="FFFFFF"/>
+                </a:solidFill>
+              </a14:hiddenFill>
+            </a:ext>
+          </a:extLst>
+        </p:spPr>
+      </p:pic>
     </p:spTree>
     <p:extLst>
       <p:ext uri="{BB962C8B-B14F-4D97-AF65-F5344CB8AC3E}">
-        <p14:creationId xmlns:p14="http://schemas.microsoft.com/office/powerpoint/2010/main" val="639203092"/>
+        <p14:creationId xmlns:p14="http://schemas.microsoft.com/office/powerpoint/2010/main" val="2680409041"/>
       </p:ext>
     </p:extLst>
   </p:cSld>
